--- a/ase ppt JOURNAL12.pptx
+++ b/ase ppt JOURNAL12.pptx
@@ -4,6 +4,9 @@
   <p:sldMasterIdLst>
     <p:sldMasterId id="2147483874" r:id="rId1"/>
   </p:sldMasterIdLst>
+  <p:notesMasterIdLst>
+    <p:notesMasterId r:id="rId22"/>
+  </p:notesMasterIdLst>
   <p:sldIdLst>
     <p:sldId id="267" r:id="rId2"/>
     <p:sldId id="257" r:id="rId3"/>
@@ -13,7 +16,18 @@
     <p:sldId id="260" r:id="rId7"/>
     <p:sldId id="261" r:id="rId8"/>
     <p:sldId id="264" r:id="rId9"/>
-    <p:sldId id="266" r:id="rId10"/>
+    <p:sldId id="280" r:id="rId10"/>
+    <p:sldId id="266" r:id="rId11"/>
+    <p:sldId id="269" r:id="rId12"/>
+    <p:sldId id="270" r:id="rId13"/>
+    <p:sldId id="271" r:id="rId14"/>
+    <p:sldId id="272" r:id="rId15"/>
+    <p:sldId id="273" r:id="rId16"/>
+    <p:sldId id="275" r:id="rId17"/>
+    <p:sldId id="276" r:id="rId18"/>
+    <p:sldId id="277" r:id="rId19"/>
+    <p:sldId id="278" r:id="rId20"/>
+    <p:sldId id="279" r:id="rId21"/>
   </p:sldIdLst>
   <p:sldSz cx="12192000" cy="6858000"/>
   <p:notesSz cx="6858000" cy="9144000"/>
@@ -125,13 +139,631 @@
             <p14:sldId id="260"/>
             <p14:sldId id="261"/>
             <p14:sldId id="264"/>
+            <p14:sldId id="280"/>
             <p14:sldId id="266"/>
+            <p14:sldId id="269"/>
+            <p14:sldId id="270"/>
+            <p14:sldId id="271"/>
+            <p14:sldId id="272"/>
+            <p14:sldId id="273"/>
+            <p14:sldId id="275"/>
+            <p14:sldId id="276"/>
+            <p14:sldId id="277"/>
+            <p14:sldId id="278"/>
+            <p14:sldId id="279"/>
           </p14:sldIdLst>
         </p14:section>
       </p14:sectionLst>
     </p:ext>
+    <p:ext uri="{EFAFB233-063F-42B5-8137-9DF3F51BA10A}">
+      <p15:sldGuideLst xmlns:p15="http://schemas.microsoft.com/office/powerpoint/2012/main"/>
+    </p:ext>
   </p:extLst>
 </p:presentation>
+</file>
+
+<file path=ppt/notesMasters/notesMaster1.xml><?xml version="1.0" encoding="utf-8"?>
+<p:notesMaster xmlns:a="http://schemas.openxmlformats.org/drawingml/2006/main" xmlns:r="http://schemas.openxmlformats.org/officeDocument/2006/relationships" xmlns:p="http://schemas.openxmlformats.org/presentationml/2006/main">
+  <p:cSld>
+    <p:bg>
+      <p:bgRef idx="1001">
+        <a:schemeClr val="bg1"/>
+      </p:bgRef>
+    </p:bg>
+    <p:spTree>
+      <p:nvGrpSpPr>
+        <p:cNvPr id="1" name=""/>
+        <p:cNvGrpSpPr/>
+        <p:nvPr/>
+      </p:nvGrpSpPr>
+      <p:grpSpPr>
+        <a:xfrm>
+          <a:off x="0" y="0"/>
+          <a:ext cx="0" cy="0"/>
+          <a:chOff x="0" y="0"/>
+          <a:chExt cx="0" cy="0"/>
+        </a:xfrm>
+      </p:grpSpPr>
+      <p:sp>
+        <p:nvSpPr>
+          <p:cNvPr id="2" name="Header Placeholder 1"/>
+          <p:cNvSpPr>
+            <a:spLocks noGrp="1"/>
+          </p:cNvSpPr>
+          <p:nvPr>
+            <p:ph type="hdr" sz="quarter"/>
+          </p:nvPr>
+        </p:nvSpPr>
+        <p:spPr>
+          <a:xfrm>
+            <a:off x="0" y="0"/>
+            <a:ext cx="2971800" cy="458788"/>
+          </a:xfrm>
+          <a:prstGeom prst="rect">
+            <a:avLst/>
+          </a:prstGeom>
+        </p:spPr>
+        <p:txBody>
+          <a:bodyPr vert="horz" lIns="91440" tIns="45720" rIns="91440" bIns="45720" rtlCol="0"/>
+          <a:lstStyle>
+            <a:lvl1pPr algn="l">
+              <a:defRPr sz="1200"/>
+            </a:lvl1pPr>
+          </a:lstStyle>
+          <a:p>
+            <a:endParaRPr lang="en-US"/>
+          </a:p>
+        </p:txBody>
+      </p:sp>
+      <p:sp>
+        <p:nvSpPr>
+          <p:cNvPr id="3" name="Date Placeholder 2"/>
+          <p:cNvSpPr>
+            <a:spLocks noGrp="1"/>
+          </p:cNvSpPr>
+          <p:nvPr>
+            <p:ph type="dt" idx="1"/>
+          </p:nvPr>
+        </p:nvSpPr>
+        <p:spPr>
+          <a:xfrm>
+            <a:off x="3884613" y="0"/>
+            <a:ext cx="2971800" cy="458788"/>
+          </a:xfrm>
+          <a:prstGeom prst="rect">
+            <a:avLst/>
+          </a:prstGeom>
+        </p:spPr>
+        <p:txBody>
+          <a:bodyPr vert="horz" lIns="91440" tIns="45720" rIns="91440" bIns="45720" rtlCol="0"/>
+          <a:lstStyle>
+            <a:lvl1pPr algn="r">
+              <a:defRPr sz="1200"/>
+            </a:lvl1pPr>
+          </a:lstStyle>
+          <a:p>
+            <a:fld id="{24F988AC-0A82-4EF4-AE75-7CBAF6724883}" type="datetimeFigureOut">
+              <a:rPr lang="en-US" smtClean="0"/>
+              <a:t>11/15/2016</a:t>
+            </a:fld>
+            <a:endParaRPr lang="en-US"/>
+          </a:p>
+        </p:txBody>
+      </p:sp>
+      <p:sp>
+        <p:nvSpPr>
+          <p:cNvPr id="4" name="Slide Image Placeholder 3"/>
+          <p:cNvSpPr>
+            <a:spLocks noGrp="1" noRot="1" noChangeAspect="1"/>
+          </p:cNvSpPr>
+          <p:nvPr>
+            <p:ph type="sldImg" idx="2"/>
+          </p:nvPr>
+        </p:nvSpPr>
+        <p:spPr>
+          <a:xfrm>
+            <a:off x="685800" y="1143000"/>
+            <a:ext cx="5486400" cy="3086100"/>
+          </a:xfrm>
+          <a:prstGeom prst="rect">
+            <a:avLst/>
+          </a:prstGeom>
+          <a:noFill/>
+          <a:ln w="12700">
+            <a:solidFill>
+              <a:prstClr val="black"/>
+            </a:solidFill>
+          </a:ln>
+        </p:spPr>
+        <p:txBody>
+          <a:bodyPr vert="horz" lIns="91440" tIns="45720" rIns="91440" bIns="45720" rtlCol="0" anchor="ctr"/>
+          <a:lstStyle/>
+          <a:p>
+            <a:endParaRPr lang="en-US"/>
+          </a:p>
+        </p:txBody>
+      </p:sp>
+      <p:sp>
+        <p:nvSpPr>
+          <p:cNvPr id="5" name="Notes Placeholder 4"/>
+          <p:cNvSpPr>
+            <a:spLocks noGrp="1"/>
+          </p:cNvSpPr>
+          <p:nvPr>
+            <p:ph type="body" sz="quarter" idx="3"/>
+          </p:nvPr>
+        </p:nvSpPr>
+        <p:spPr>
+          <a:xfrm>
+            <a:off x="685800" y="4400550"/>
+            <a:ext cx="5486400" cy="3600450"/>
+          </a:xfrm>
+          <a:prstGeom prst="rect">
+            <a:avLst/>
+          </a:prstGeom>
+        </p:spPr>
+        <p:txBody>
+          <a:bodyPr vert="horz" lIns="91440" tIns="45720" rIns="91440" bIns="45720" rtlCol="0"/>
+          <a:lstStyle/>
+          <a:p>
+            <a:pPr lvl="0"/>
+            <a:r>
+              <a:rPr lang="en-US"/>
+              <a:t>Edit Master text styles</a:t>
+            </a:r>
+          </a:p>
+          <a:p>
+            <a:pPr lvl="1"/>
+            <a:r>
+              <a:rPr lang="en-US"/>
+              <a:t>Second level</a:t>
+            </a:r>
+          </a:p>
+          <a:p>
+            <a:pPr lvl="2"/>
+            <a:r>
+              <a:rPr lang="en-US"/>
+              <a:t>Third level</a:t>
+            </a:r>
+          </a:p>
+          <a:p>
+            <a:pPr lvl="3"/>
+            <a:r>
+              <a:rPr lang="en-US"/>
+              <a:t>Fourth level</a:t>
+            </a:r>
+          </a:p>
+          <a:p>
+            <a:pPr lvl="4"/>
+            <a:r>
+              <a:rPr lang="en-US"/>
+              <a:t>Fifth level</a:t>
+            </a:r>
+          </a:p>
+        </p:txBody>
+      </p:sp>
+      <p:sp>
+        <p:nvSpPr>
+          <p:cNvPr id="6" name="Footer Placeholder 5"/>
+          <p:cNvSpPr>
+            <a:spLocks noGrp="1"/>
+          </p:cNvSpPr>
+          <p:nvPr>
+            <p:ph type="ftr" sz="quarter" idx="4"/>
+          </p:nvPr>
+        </p:nvSpPr>
+        <p:spPr>
+          <a:xfrm>
+            <a:off x="0" y="8685213"/>
+            <a:ext cx="2971800" cy="458787"/>
+          </a:xfrm>
+          <a:prstGeom prst="rect">
+            <a:avLst/>
+          </a:prstGeom>
+        </p:spPr>
+        <p:txBody>
+          <a:bodyPr vert="horz" lIns="91440" tIns="45720" rIns="91440" bIns="45720" rtlCol="0" anchor="b"/>
+          <a:lstStyle>
+            <a:lvl1pPr algn="l">
+              <a:defRPr sz="1200"/>
+            </a:lvl1pPr>
+          </a:lstStyle>
+          <a:p>
+            <a:endParaRPr lang="en-US"/>
+          </a:p>
+        </p:txBody>
+      </p:sp>
+      <p:sp>
+        <p:nvSpPr>
+          <p:cNvPr id="7" name="Slide Number Placeholder 6"/>
+          <p:cNvSpPr>
+            <a:spLocks noGrp="1"/>
+          </p:cNvSpPr>
+          <p:nvPr>
+            <p:ph type="sldNum" sz="quarter" idx="5"/>
+          </p:nvPr>
+        </p:nvSpPr>
+        <p:spPr>
+          <a:xfrm>
+            <a:off x="3884613" y="8685213"/>
+            <a:ext cx="2971800" cy="458787"/>
+          </a:xfrm>
+          <a:prstGeom prst="rect">
+            <a:avLst/>
+          </a:prstGeom>
+        </p:spPr>
+        <p:txBody>
+          <a:bodyPr vert="horz" lIns="91440" tIns="45720" rIns="91440" bIns="45720" rtlCol="0" anchor="b"/>
+          <a:lstStyle>
+            <a:lvl1pPr algn="r">
+              <a:defRPr sz="1200"/>
+            </a:lvl1pPr>
+          </a:lstStyle>
+          <a:p>
+            <a:fld id="{E42FC229-1AC8-4AA9-8121-00F79A53FAA2}" type="slidenum">
+              <a:rPr lang="en-US" smtClean="0"/>
+              <a:t>‹#›</a:t>
+            </a:fld>
+            <a:endParaRPr lang="en-US"/>
+          </a:p>
+        </p:txBody>
+      </p:sp>
+    </p:spTree>
+    <p:extLst>
+      <p:ext uri="{BB962C8B-B14F-4D97-AF65-F5344CB8AC3E}">
+        <p14:creationId xmlns:p14="http://schemas.microsoft.com/office/powerpoint/2010/main" val="1856393560"/>
+      </p:ext>
+    </p:extLst>
+  </p:cSld>
+  <p:clrMap bg1="lt1" tx1="dk1" bg2="lt2" tx2="dk2" accent1="accent1" accent2="accent2" accent3="accent3" accent4="accent4" accent5="accent5" accent6="accent6" hlink="hlink" folHlink="folHlink"/>
+  <p:notesStyle>
+    <a:lvl1pPr marL="0" algn="l" defTabSz="914400" rtl="0" eaLnBrk="1" latinLnBrk="0" hangingPunct="1">
+      <a:defRPr sz="1200" kern="1200">
+        <a:solidFill>
+          <a:schemeClr val="tx1"/>
+        </a:solidFill>
+        <a:latin typeface="+mn-lt"/>
+        <a:ea typeface="+mn-ea"/>
+        <a:cs typeface="+mn-cs"/>
+      </a:defRPr>
+    </a:lvl1pPr>
+    <a:lvl2pPr marL="457200" algn="l" defTabSz="914400" rtl="0" eaLnBrk="1" latinLnBrk="0" hangingPunct="1">
+      <a:defRPr sz="1200" kern="1200">
+        <a:solidFill>
+          <a:schemeClr val="tx1"/>
+        </a:solidFill>
+        <a:latin typeface="+mn-lt"/>
+        <a:ea typeface="+mn-ea"/>
+        <a:cs typeface="+mn-cs"/>
+      </a:defRPr>
+    </a:lvl2pPr>
+    <a:lvl3pPr marL="914400" algn="l" defTabSz="914400" rtl="0" eaLnBrk="1" latinLnBrk="0" hangingPunct="1">
+      <a:defRPr sz="1200" kern="1200">
+        <a:solidFill>
+          <a:schemeClr val="tx1"/>
+        </a:solidFill>
+        <a:latin typeface="+mn-lt"/>
+        <a:ea typeface="+mn-ea"/>
+        <a:cs typeface="+mn-cs"/>
+      </a:defRPr>
+    </a:lvl3pPr>
+    <a:lvl4pPr marL="1371600" algn="l" defTabSz="914400" rtl="0" eaLnBrk="1" latinLnBrk="0" hangingPunct="1">
+      <a:defRPr sz="1200" kern="1200">
+        <a:solidFill>
+          <a:schemeClr val="tx1"/>
+        </a:solidFill>
+        <a:latin typeface="+mn-lt"/>
+        <a:ea typeface="+mn-ea"/>
+        <a:cs typeface="+mn-cs"/>
+      </a:defRPr>
+    </a:lvl4pPr>
+    <a:lvl5pPr marL="1828800" algn="l" defTabSz="914400" rtl="0" eaLnBrk="1" latinLnBrk="0" hangingPunct="1">
+      <a:defRPr sz="1200" kern="1200">
+        <a:solidFill>
+          <a:schemeClr val="tx1"/>
+        </a:solidFill>
+        <a:latin typeface="+mn-lt"/>
+        <a:ea typeface="+mn-ea"/>
+        <a:cs typeface="+mn-cs"/>
+      </a:defRPr>
+    </a:lvl5pPr>
+    <a:lvl6pPr marL="2286000" algn="l" defTabSz="914400" rtl="0" eaLnBrk="1" latinLnBrk="0" hangingPunct="1">
+      <a:defRPr sz="1200" kern="1200">
+        <a:solidFill>
+          <a:schemeClr val="tx1"/>
+        </a:solidFill>
+        <a:latin typeface="+mn-lt"/>
+        <a:ea typeface="+mn-ea"/>
+        <a:cs typeface="+mn-cs"/>
+      </a:defRPr>
+    </a:lvl6pPr>
+    <a:lvl7pPr marL="2743200" algn="l" defTabSz="914400" rtl="0" eaLnBrk="1" latinLnBrk="0" hangingPunct="1">
+      <a:defRPr sz="1200" kern="1200">
+        <a:solidFill>
+          <a:schemeClr val="tx1"/>
+        </a:solidFill>
+        <a:latin typeface="+mn-lt"/>
+        <a:ea typeface="+mn-ea"/>
+        <a:cs typeface="+mn-cs"/>
+      </a:defRPr>
+    </a:lvl7pPr>
+    <a:lvl8pPr marL="3200400" algn="l" defTabSz="914400" rtl="0" eaLnBrk="1" latinLnBrk="0" hangingPunct="1">
+      <a:defRPr sz="1200" kern="1200">
+        <a:solidFill>
+          <a:schemeClr val="tx1"/>
+        </a:solidFill>
+        <a:latin typeface="+mn-lt"/>
+        <a:ea typeface="+mn-ea"/>
+        <a:cs typeface="+mn-cs"/>
+      </a:defRPr>
+    </a:lvl8pPr>
+    <a:lvl9pPr marL="3657600" algn="l" defTabSz="914400" rtl="0" eaLnBrk="1" latinLnBrk="0" hangingPunct="1">
+      <a:defRPr sz="1200" kern="1200">
+        <a:solidFill>
+          <a:schemeClr val="tx1"/>
+        </a:solidFill>
+        <a:latin typeface="+mn-lt"/>
+        <a:ea typeface="+mn-ea"/>
+        <a:cs typeface="+mn-cs"/>
+      </a:defRPr>
+    </a:lvl9pPr>
+  </p:notesStyle>
+</p:notesMaster>
+</file>
+
+<file path=ppt/notesSlides/notesSlide1.xml><?xml version="1.0" encoding="utf-8"?>
+<p:notes xmlns:a="http://schemas.openxmlformats.org/drawingml/2006/main" xmlns:r="http://schemas.openxmlformats.org/officeDocument/2006/relationships" xmlns:p="http://schemas.openxmlformats.org/presentationml/2006/main">
+  <p:cSld>
+    <p:spTree>
+      <p:nvGrpSpPr>
+        <p:cNvPr id="1" name=""/>
+        <p:cNvGrpSpPr/>
+        <p:nvPr/>
+      </p:nvGrpSpPr>
+      <p:grpSpPr>
+        <a:xfrm>
+          <a:off x="0" y="0"/>
+          <a:ext cx="0" cy="0"/>
+          <a:chOff x="0" y="0"/>
+          <a:chExt cx="0" cy="0"/>
+        </a:xfrm>
+      </p:grpSpPr>
+      <p:sp>
+        <p:nvSpPr>
+          <p:cNvPr id="2" name="Slide Image Placeholder 1"/>
+          <p:cNvSpPr>
+            <a:spLocks noGrp="1" noRot="1" noChangeAspect="1"/>
+          </p:cNvSpPr>
+          <p:nvPr>
+            <p:ph type="sldImg"/>
+          </p:nvPr>
+        </p:nvSpPr>
+        <p:spPr/>
+      </p:sp>
+      <p:sp>
+        <p:nvSpPr>
+          <p:cNvPr id="3" name="Notes Placeholder 2"/>
+          <p:cNvSpPr>
+            <a:spLocks noGrp="1"/>
+          </p:cNvSpPr>
+          <p:nvPr>
+            <p:ph type="body" idx="1"/>
+          </p:nvPr>
+        </p:nvSpPr>
+        <p:spPr/>
+        <p:txBody>
+          <a:bodyPr/>
+          <a:lstStyle/>
+          <a:p>
+            <a:endParaRPr lang="en-US" dirty="0"/>
+          </a:p>
+        </p:txBody>
+      </p:sp>
+      <p:sp>
+        <p:nvSpPr>
+          <p:cNvPr id="4" name="Slide Number Placeholder 3"/>
+          <p:cNvSpPr>
+            <a:spLocks noGrp="1"/>
+          </p:cNvSpPr>
+          <p:nvPr>
+            <p:ph type="sldNum" sz="quarter" idx="10"/>
+          </p:nvPr>
+        </p:nvSpPr>
+        <p:spPr/>
+        <p:txBody>
+          <a:bodyPr/>
+          <a:lstStyle/>
+          <a:p>
+            <a:fld id="{DA37FC5B-E005-4C7B-A813-8B75D84F4819}" type="slidenum">
+              <a:rPr lang="en-US" smtClean="0"/>
+              <a:t>17</a:t>
+            </a:fld>
+            <a:endParaRPr lang="en-US"/>
+          </a:p>
+        </p:txBody>
+      </p:sp>
+    </p:spTree>
+    <p:extLst>
+      <p:ext uri="{BB962C8B-B14F-4D97-AF65-F5344CB8AC3E}">
+        <p14:creationId xmlns:p14="http://schemas.microsoft.com/office/powerpoint/2010/main" val="3941174838"/>
+      </p:ext>
+    </p:extLst>
+  </p:cSld>
+  <p:clrMapOvr>
+    <a:masterClrMapping/>
+  </p:clrMapOvr>
+</p:notes>
+</file>
+
+<file path=ppt/notesSlides/notesSlide2.xml><?xml version="1.0" encoding="utf-8"?>
+<p:notes xmlns:a="http://schemas.openxmlformats.org/drawingml/2006/main" xmlns:r="http://schemas.openxmlformats.org/officeDocument/2006/relationships" xmlns:p="http://schemas.openxmlformats.org/presentationml/2006/main">
+  <p:cSld>
+    <p:spTree>
+      <p:nvGrpSpPr>
+        <p:cNvPr id="1" name=""/>
+        <p:cNvGrpSpPr/>
+        <p:nvPr/>
+      </p:nvGrpSpPr>
+      <p:grpSpPr>
+        <a:xfrm>
+          <a:off x="0" y="0"/>
+          <a:ext cx="0" cy="0"/>
+          <a:chOff x="0" y="0"/>
+          <a:chExt cx="0" cy="0"/>
+        </a:xfrm>
+      </p:grpSpPr>
+      <p:sp>
+        <p:nvSpPr>
+          <p:cNvPr id="2" name="Slide Image Placeholder 1"/>
+          <p:cNvSpPr>
+            <a:spLocks noGrp="1" noRot="1" noChangeAspect="1"/>
+          </p:cNvSpPr>
+          <p:nvPr>
+            <p:ph type="sldImg"/>
+          </p:nvPr>
+        </p:nvSpPr>
+        <p:spPr/>
+      </p:sp>
+      <p:sp>
+        <p:nvSpPr>
+          <p:cNvPr id="3" name="Notes Placeholder 2"/>
+          <p:cNvSpPr>
+            <a:spLocks noGrp="1"/>
+          </p:cNvSpPr>
+          <p:nvPr>
+            <p:ph type="body" idx="1"/>
+          </p:nvPr>
+        </p:nvSpPr>
+        <p:spPr/>
+        <p:txBody>
+          <a:bodyPr/>
+          <a:lstStyle/>
+          <a:p>
+            <a:endParaRPr lang="en-US" dirty="0"/>
+          </a:p>
+        </p:txBody>
+      </p:sp>
+      <p:sp>
+        <p:nvSpPr>
+          <p:cNvPr id="4" name="Slide Number Placeholder 3"/>
+          <p:cNvSpPr>
+            <a:spLocks noGrp="1"/>
+          </p:cNvSpPr>
+          <p:nvPr>
+            <p:ph type="sldNum" sz="quarter" idx="10"/>
+          </p:nvPr>
+        </p:nvSpPr>
+        <p:spPr/>
+        <p:txBody>
+          <a:bodyPr/>
+          <a:lstStyle/>
+          <a:p>
+            <a:fld id="{DA37FC5B-E005-4C7B-A813-8B75D84F4819}" type="slidenum">
+              <a:rPr lang="en-US" smtClean="0"/>
+              <a:t>19</a:t>
+            </a:fld>
+            <a:endParaRPr lang="en-US"/>
+          </a:p>
+        </p:txBody>
+      </p:sp>
+    </p:spTree>
+    <p:extLst>
+      <p:ext uri="{BB962C8B-B14F-4D97-AF65-F5344CB8AC3E}">
+        <p14:creationId xmlns:p14="http://schemas.microsoft.com/office/powerpoint/2010/main" val="4010900873"/>
+      </p:ext>
+    </p:extLst>
+  </p:cSld>
+  <p:clrMapOvr>
+    <a:masterClrMapping/>
+  </p:clrMapOvr>
+</p:notes>
+</file>
+
+<file path=ppt/notesSlides/notesSlide3.xml><?xml version="1.0" encoding="utf-8"?>
+<p:notes xmlns:a="http://schemas.openxmlformats.org/drawingml/2006/main" xmlns:r="http://schemas.openxmlformats.org/officeDocument/2006/relationships" xmlns:p="http://schemas.openxmlformats.org/presentationml/2006/main">
+  <p:cSld>
+    <p:spTree>
+      <p:nvGrpSpPr>
+        <p:cNvPr id="1" name=""/>
+        <p:cNvGrpSpPr/>
+        <p:nvPr/>
+      </p:nvGrpSpPr>
+      <p:grpSpPr>
+        <a:xfrm>
+          <a:off x="0" y="0"/>
+          <a:ext cx="0" cy="0"/>
+          <a:chOff x="0" y="0"/>
+          <a:chExt cx="0" cy="0"/>
+        </a:xfrm>
+      </p:grpSpPr>
+      <p:sp>
+        <p:nvSpPr>
+          <p:cNvPr id="2" name="Slide Image Placeholder 1"/>
+          <p:cNvSpPr>
+            <a:spLocks noGrp="1" noRot="1" noChangeAspect="1"/>
+          </p:cNvSpPr>
+          <p:nvPr>
+            <p:ph type="sldImg"/>
+          </p:nvPr>
+        </p:nvSpPr>
+        <p:spPr/>
+      </p:sp>
+      <p:sp>
+        <p:nvSpPr>
+          <p:cNvPr id="3" name="Notes Placeholder 2"/>
+          <p:cNvSpPr>
+            <a:spLocks noGrp="1"/>
+          </p:cNvSpPr>
+          <p:nvPr>
+            <p:ph type="body" idx="1"/>
+          </p:nvPr>
+        </p:nvSpPr>
+        <p:spPr/>
+        <p:txBody>
+          <a:bodyPr/>
+          <a:lstStyle/>
+          <a:p>
+            <a:r>
+              <a:rPr lang="en-US" dirty="0"/>
+              <a:t>REMAINING CHALLENGES</a:t>
+            </a:r>
+          </a:p>
+        </p:txBody>
+      </p:sp>
+      <p:sp>
+        <p:nvSpPr>
+          <p:cNvPr id="4" name="Slide Number Placeholder 3"/>
+          <p:cNvSpPr>
+            <a:spLocks noGrp="1"/>
+          </p:cNvSpPr>
+          <p:nvPr>
+            <p:ph type="sldNum" sz="quarter" idx="10"/>
+          </p:nvPr>
+        </p:nvSpPr>
+        <p:spPr/>
+        <p:txBody>
+          <a:bodyPr/>
+          <a:lstStyle/>
+          <a:p>
+            <a:fld id="{DA37FC5B-E005-4C7B-A813-8B75D84F4819}" type="slidenum">
+              <a:rPr lang="en-US" smtClean="0"/>
+              <a:t>20</a:t>
+            </a:fld>
+            <a:endParaRPr lang="en-US"/>
+          </a:p>
+        </p:txBody>
+      </p:sp>
+    </p:spTree>
+    <p:extLst>
+      <p:ext uri="{BB962C8B-B14F-4D97-AF65-F5344CB8AC3E}">
+        <p14:creationId xmlns:p14="http://schemas.microsoft.com/office/powerpoint/2010/main" val="431296962"/>
+      </p:ext>
+    </p:extLst>
+  </p:cSld>
+  <p:clrMapOvr>
+    <a:masterClrMapping/>
+  </p:clrMapOvr>
+</p:notes>
 </file>
 
 <file path=ppt/slideLayouts/slideLayout1.xml><?xml version="1.0" encoding="utf-8"?>
@@ -856,7 +1488,7 @@
           <a:p>
             <a:fld id="{1F143D09-3A1F-4A52-BA44-D3DA8C199E4F}" type="datetimeFigureOut">
               <a:rPr lang="en-US" smtClean="0"/>
-              <a:t>11/14/2016</a:t>
+              <a:t>11/15/2016</a:t>
             </a:fld>
             <a:endParaRPr lang="en-US"/>
           </a:p>
@@ -1107,7 +1739,7 @@
           <a:p>
             <a:fld id="{1F143D09-3A1F-4A52-BA44-D3DA8C199E4F}" type="datetimeFigureOut">
               <a:rPr lang="en-US" smtClean="0"/>
-              <a:t>11/14/2016</a:t>
+              <a:t>11/15/2016</a:t>
             </a:fld>
             <a:endParaRPr lang="en-US"/>
           </a:p>
@@ -1421,7 +2053,7 @@
           <a:p>
             <a:fld id="{1F143D09-3A1F-4A52-BA44-D3DA8C199E4F}" type="datetimeFigureOut">
               <a:rPr lang="en-US" smtClean="0"/>
-              <a:t>11/14/2016</a:t>
+              <a:t>11/15/2016</a:t>
             </a:fld>
             <a:endParaRPr lang="en-US"/>
           </a:p>
@@ -1762,7 +2394,7 @@
           <a:p>
             <a:fld id="{1F143D09-3A1F-4A52-BA44-D3DA8C199E4F}" type="datetimeFigureOut">
               <a:rPr lang="en-US" smtClean="0"/>
-              <a:t>11/14/2016</a:t>
+              <a:t>11/15/2016</a:t>
             </a:fld>
             <a:endParaRPr lang="en-US"/>
           </a:p>
@@ -2076,7 +2708,7 @@
           <a:p>
             <a:fld id="{1F143D09-3A1F-4A52-BA44-D3DA8C199E4F}" type="datetimeFigureOut">
               <a:rPr lang="en-US" smtClean="0"/>
-              <a:t>11/14/2016</a:t>
+              <a:t>11/15/2016</a:t>
             </a:fld>
             <a:endParaRPr lang="en-US"/>
           </a:p>
@@ -2469,7 +3101,7 @@
           <a:p>
             <a:fld id="{1F143D09-3A1F-4A52-BA44-D3DA8C199E4F}" type="datetimeFigureOut">
               <a:rPr lang="en-US" smtClean="0"/>
-              <a:t>11/14/2016</a:t>
+              <a:t>11/15/2016</a:t>
             </a:fld>
             <a:endParaRPr lang="en-US"/>
           </a:p>
@@ -2639,7 +3271,7 @@
           <a:p>
             <a:fld id="{1F143D09-3A1F-4A52-BA44-D3DA8C199E4F}" type="datetimeFigureOut">
               <a:rPr lang="en-US" smtClean="0"/>
-              <a:t>11/14/2016</a:t>
+              <a:t>11/15/2016</a:t>
             </a:fld>
             <a:endParaRPr lang="en-US"/>
           </a:p>
@@ -2819,7 +3451,7 @@
           <a:p>
             <a:fld id="{1F143D09-3A1F-4A52-BA44-D3DA8C199E4F}" type="datetimeFigureOut">
               <a:rPr lang="en-US" smtClean="0"/>
-              <a:t>11/14/2016</a:t>
+              <a:t>11/15/2016</a:t>
             </a:fld>
             <a:endParaRPr lang="en-US"/>
           </a:p>
@@ -2995,7 +3627,7 @@
           <a:p>
             <a:fld id="{1F143D09-3A1F-4A52-BA44-D3DA8C199E4F}" type="datetimeFigureOut">
               <a:rPr lang="en-US" smtClean="0"/>
-              <a:t>11/14/2016</a:t>
+              <a:t>11/15/2016</a:t>
             </a:fld>
             <a:endParaRPr lang="en-US"/>
           </a:p>
@@ -3242,7 +3874,7 @@
           <a:p>
             <a:fld id="{1F143D09-3A1F-4A52-BA44-D3DA8C199E4F}" type="datetimeFigureOut">
               <a:rPr lang="en-US" smtClean="0"/>
-              <a:t>11/14/2016</a:t>
+              <a:t>11/15/2016</a:t>
             </a:fld>
             <a:endParaRPr lang="en-US"/>
           </a:p>
@@ -3474,7 +4106,7 @@
           <a:p>
             <a:fld id="{1F143D09-3A1F-4A52-BA44-D3DA8C199E4F}" type="datetimeFigureOut">
               <a:rPr lang="en-US" smtClean="0"/>
-              <a:t>11/14/2016</a:t>
+              <a:t>11/15/2016</a:t>
             </a:fld>
             <a:endParaRPr lang="en-US"/>
           </a:p>
@@ -3848,7 +4480,7 @@
           <a:p>
             <a:fld id="{1F143D09-3A1F-4A52-BA44-D3DA8C199E4F}" type="datetimeFigureOut">
               <a:rPr lang="en-US" smtClean="0"/>
-              <a:t>11/14/2016</a:t>
+              <a:t>11/15/2016</a:t>
             </a:fld>
             <a:endParaRPr lang="en-US"/>
           </a:p>
@@ -3971,7 +4603,7 @@
           <a:p>
             <a:fld id="{1F143D09-3A1F-4A52-BA44-D3DA8C199E4F}" type="datetimeFigureOut">
               <a:rPr lang="en-US" smtClean="0"/>
-              <a:t>11/14/2016</a:t>
+              <a:t>11/15/2016</a:t>
             </a:fld>
             <a:endParaRPr lang="en-US"/>
           </a:p>
@@ -4066,7 +4698,7 @@
           <a:p>
             <a:fld id="{1F143D09-3A1F-4A52-BA44-D3DA8C199E4F}" type="datetimeFigureOut">
               <a:rPr lang="en-US" smtClean="0"/>
-              <a:t>11/14/2016</a:t>
+              <a:t>11/15/2016</a:t>
             </a:fld>
             <a:endParaRPr lang="en-US"/>
           </a:p>
@@ -4321,7 +4953,7 @@
           <a:p>
             <a:fld id="{1F143D09-3A1F-4A52-BA44-D3DA8C199E4F}" type="datetimeFigureOut">
               <a:rPr lang="en-US" smtClean="0"/>
-              <a:t>11/14/2016</a:t>
+              <a:t>11/15/2016</a:t>
             </a:fld>
             <a:endParaRPr lang="en-US"/>
           </a:p>
@@ -4584,7 +5216,7 @@
           <a:p>
             <a:fld id="{1F143D09-3A1F-4A52-BA44-D3DA8C199E4F}" type="datetimeFigureOut">
               <a:rPr lang="en-US" smtClean="0"/>
-              <a:t>11/14/2016</a:t>
+              <a:t>11/15/2016</a:t>
             </a:fld>
             <a:endParaRPr lang="en-US"/>
           </a:p>
@@ -5327,7 +5959,7 @@
           <a:p>
             <a:fld id="{1F143D09-3A1F-4A52-BA44-D3DA8C199E4F}" type="datetimeFigureOut">
               <a:rPr lang="en-US" smtClean="0"/>
-              <a:t>11/14/2016</a:t>
+              <a:t>11/15/2016</a:t>
             </a:fld>
             <a:endParaRPr lang="en-US"/>
           </a:p>
@@ -5892,10 +6524,6 @@
               </a:rPr>
               <a:t>Making It Easy to Do the Right Thing</a:t>
             </a:r>
-            <a:endParaRPr lang="en-US" b="1" dirty="0">
-              <a:latin typeface="Times New Roman" panose="02020603050405020304" pitchFamily="18" charset="0"/>
-              <a:cs typeface="Times New Roman" panose="02020603050405020304" pitchFamily="18" charset="0"/>
-            </a:endParaRPr>
           </a:p>
         </p:txBody>
       </p:sp>
@@ -5923,7 +6551,7 @@
               <a:buNone/>
             </a:pPr>
             <a:r>
-              <a:rPr lang="en-US" dirty="0">
+              <a:rPr lang="en-US" sz="2500" i="1" dirty="0">
                 <a:latin typeface="Times New Roman" panose="02020603050405020304" pitchFamily="18" charset="0"/>
                 <a:cs typeface="Times New Roman" panose="02020603050405020304" pitchFamily="18" charset="0"/>
               </a:rPr>
@@ -5935,21 +6563,21 @@
               <a:buNone/>
             </a:pPr>
             <a:r>
-              <a:rPr lang="en-US" dirty="0">
+              <a:rPr lang="en-US" sz="2500" i="1" dirty="0">
                 <a:latin typeface="Times New Roman" panose="02020603050405020304" pitchFamily="18" charset="0"/>
                 <a:cs typeface="Times New Roman" panose="02020603050405020304" pitchFamily="18" charset="0"/>
               </a:rPr>
               <a:t>Divya </a:t>
             </a:r>
             <a:r>
-              <a:rPr lang="en-US" dirty="0" err="1">
+              <a:rPr lang="en-US" sz="2500" i="1" dirty="0" err="1">
                 <a:latin typeface="Times New Roman" panose="02020603050405020304" pitchFamily="18" charset="0"/>
                 <a:cs typeface="Times New Roman" panose="02020603050405020304" pitchFamily="18" charset="0"/>
               </a:rPr>
               <a:t>Putta</a:t>
             </a:r>
             <a:r>
-              <a:rPr lang="en-US" dirty="0">
+              <a:rPr lang="en-US" sz="2500" i="1" dirty="0">
                 <a:latin typeface="Times New Roman" panose="02020603050405020304" pitchFamily="18" charset="0"/>
                 <a:cs typeface="Times New Roman" panose="02020603050405020304" pitchFamily="18" charset="0"/>
               </a:rPr>
@@ -5961,28 +6589,28 @@
               <a:buNone/>
             </a:pPr>
             <a:r>
-              <a:rPr lang="en-US" dirty="0" err="1">
+              <a:rPr lang="en-US" sz="2500" i="1" dirty="0" err="1">
                 <a:latin typeface="Times New Roman" panose="02020603050405020304" pitchFamily="18" charset="0"/>
                 <a:cs typeface="Times New Roman" panose="02020603050405020304" pitchFamily="18" charset="0"/>
               </a:rPr>
               <a:t>Nikhila</a:t>
             </a:r>
             <a:r>
-              <a:rPr lang="en-US" dirty="0">
+              <a:rPr lang="en-US" sz="2500" i="1" dirty="0">
                 <a:latin typeface="Times New Roman" panose="02020603050405020304" pitchFamily="18" charset="0"/>
                 <a:cs typeface="Times New Roman" panose="02020603050405020304" pitchFamily="18" charset="0"/>
               </a:rPr>
               <a:t> </a:t>
             </a:r>
             <a:r>
-              <a:rPr lang="en-US" dirty="0" err="1">
+              <a:rPr lang="en-US" sz="2500" i="1" dirty="0" err="1">
                 <a:latin typeface="Times New Roman" panose="02020603050405020304" pitchFamily="18" charset="0"/>
                 <a:cs typeface="Times New Roman" panose="02020603050405020304" pitchFamily="18" charset="0"/>
               </a:rPr>
               <a:t>Chinthakindhi</a:t>
             </a:r>
             <a:r>
-              <a:rPr lang="en-US" dirty="0">
+              <a:rPr lang="en-US" sz="2500" i="1" dirty="0">
                 <a:latin typeface="Times New Roman" panose="02020603050405020304" pitchFamily="18" charset="0"/>
                 <a:cs typeface="Times New Roman" panose="02020603050405020304" pitchFamily="18" charset="0"/>
               </a:rPr>
@@ -5994,14 +6622,14 @@
               <a:buNone/>
             </a:pPr>
             <a:r>
-              <a:rPr lang="en-US" dirty="0" err="1">
+              <a:rPr lang="en-US" sz="2500" i="1" dirty="0" err="1">
                 <a:latin typeface="Times New Roman" panose="02020603050405020304" pitchFamily="18" charset="0"/>
                 <a:cs typeface="Times New Roman" panose="02020603050405020304" pitchFamily="18" charset="0"/>
               </a:rPr>
               <a:t>Saiteja</a:t>
             </a:r>
             <a:r>
-              <a:rPr lang="en-US" dirty="0">
+              <a:rPr lang="en-US" sz="2500" i="1" dirty="0">
                 <a:latin typeface="Times New Roman" panose="02020603050405020304" pitchFamily="18" charset="0"/>
                 <a:cs typeface="Times New Roman" panose="02020603050405020304" pitchFamily="18" charset="0"/>
               </a:rPr>
@@ -6013,13 +6641,13 @@
               <a:buNone/>
             </a:pPr>
             <a:r>
-              <a:rPr lang="en-US" dirty="0" err="1">
+              <a:rPr lang="en-US" sz="2500" i="1" dirty="0" err="1">
                 <a:latin typeface="Times New Roman" panose="02020603050405020304" pitchFamily="18" charset="0"/>
                 <a:cs typeface="Times New Roman" panose="02020603050405020304" pitchFamily="18" charset="0"/>
               </a:rPr>
               <a:t>Arun</a:t>
             </a:r>
-            <a:endParaRPr lang="en-US" dirty="0">
+            <a:endParaRPr lang="en-US" sz="2500" i="1" dirty="0">
               <a:latin typeface="Times New Roman" panose="02020603050405020304" pitchFamily="18" charset="0"/>
               <a:cs typeface="Times New Roman" panose="02020603050405020304" pitchFamily="18" charset="0"/>
             </a:endParaRPr>
@@ -6033,6 +6661,2321 @@
     <p:extLst>
       <p:ext uri="{BB962C8B-B14F-4D97-AF65-F5344CB8AC3E}">
         <p14:creationId xmlns:p14="http://schemas.microsoft.com/office/powerpoint/2010/main" val="284482263"/>
+      </p:ext>
+    </p:extLst>
+  </p:cSld>
+  <p:clrMapOvr>
+    <a:masterClrMapping/>
+  </p:clrMapOvr>
+</p:sld>
+</file>
+
+<file path=ppt/slides/slide10.xml><?xml version="1.0" encoding="utf-8"?>
+<p:sld xmlns:a="http://schemas.openxmlformats.org/drawingml/2006/main" xmlns:r="http://schemas.openxmlformats.org/officeDocument/2006/relationships" xmlns:p="http://schemas.openxmlformats.org/presentationml/2006/main">
+  <p:cSld>
+    <p:spTree>
+      <p:nvGrpSpPr>
+        <p:cNvPr id="1" name=""/>
+        <p:cNvGrpSpPr/>
+        <p:nvPr/>
+      </p:nvGrpSpPr>
+      <p:grpSpPr>
+        <a:xfrm>
+          <a:off x="0" y="0"/>
+          <a:ext cx="0" cy="0"/>
+          <a:chOff x="0" y="0"/>
+          <a:chExt cx="0" cy="0"/>
+        </a:xfrm>
+      </p:grpSpPr>
+      <p:sp>
+        <p:nvSpPr>
+          <p:cNvPr id="2" name="Title 1"/>
+          <p:cNvSpPr>
+            <a:spLocks noGrp="1"/>
+          </p:cNvSpPr>
+          <p:nvPr>
+            <p:ph type="title"/>
+          </p:nvPr>
+        </p:nvSpPr>
+        <p:spPr>
+          <a:xfrm>
+            <a:off x="0" y="516835"/>
+            <a:ext cx="8596668" cy="808383"/>
+          </a:xfrm>
+        </p:spPr>
+        <p:txBody>
+          <a:bodyPr/>
+          <a:lstStyle/>
+          <a:p>
+            <a:r>
+              <a:rPr lang="en-US" dirty="0"/>
+              <a:t>Deployment and Test Automation</a:t>
+            </a:r>
+          </a:p>
+        </p:txBody>
+      </p:sp>
+      <p:sp>
+        <p:nvSpPr>
+          <p:cNvPr id="3" name="Content Placeholder 2"/>
+          <p:cNvSpPr>
+            <a:spLocks noGrp="1"/>
+          </p:cNvSpPr>
+          <p:nvPr>
+            <p:ph idx="1"/>
+          </p:nvPr>
+        </p:nvSpPr>
+        <p:spPr>
+          <a:xfrm>
+            <a:off x="399038" y="4426713"/>
+            <a:ext cx="8596668" cy="2000594"/>
+          </a:xfrm>
+        </p:spPr>
+        <p:txBody>
+          <a:bodyPr/>
+          <a:lstStyle/>
+          <a:p>
+            <a:r>
+              <a:rPr lang="en-US" sz="2500" dirty="0"/>
+              <a:t>Versioning</a:t>
+            </a:r>
+          </a:p>
+          <a:p>
+            <a:r>
+              <a:rPr lang="en-US" sz="2500" dirty="0"/>
+              <a:t>Backward compatibility</a:t>
+            </a:r>
+          </a:p>
+          <a:p>
+            <a:endParaRPr lang="en-US" dirty="0"/>
+          </a:p>
+        </p:txBody>
+      </p:sp>
+      <p:sp>
+        <p:nvSpPr>
+          <p:cNvPr id="6" name="Title 1"/>
+          <p:cNvSpPr txBox="1">
+            <a:spLocks/>
+          </p:cNvSpPr>
+          <p:nvPr/>
+        </p:nvSpPr>
+        <p:spPr>
+          <a:xfrm>
+            <a:off x="258418" y="3618330"/>
+            <a:ext cx="8596668" cy="808383"/>
+          </a:xfrm>
+          <a:prstGeom prst="rect">
+            <a:avLst/>
+          </a:prstGeom>
+        </p:spPr>
+        <p:txBody>
+          <a:bodyPr vert="horz" lIns="91440" tIns="45720" rIns="91440" bIns="45720" rtlCol="0" anchor="t">
+            <a:normAutofit/>
+          </a:bodyPr>
+          <a:lstStyle>
+            <a:lvl1pPr algn="l" defTabSz="457200" rtl="0" eaLnBrk="1" latinLnBrk="0" hangingPunct="1">
+              <a:spcBef>
+                <a:spcPct val="0"/>
+              </a:spcBef>
+              <a:buNone/>
+              <a:defRPr sz="3600" kern="1200">
+                <a:solidFill>
+                  <a:schemeClr val="accent1"/>
+                </a:solidFill>
+                <a:latin typeface="+mj-lt"/>
+                <a:ea typeface="+mj-ea"/>
+                <a:cs typeface="+mj-cs"/>
+              </a:defRPr>
+            </a:lvl1pPr>
+            <a:lvl2pPr eaLnBrk="1" hangingPunct="1">
+              <a:defRPr>
+                <a:solidFill>
+                  <a:schemeClr val="tx2"/>
+                </a:solidFill>
+              </a:defRPr>
+            </a:lvl2pPr>
+            <a:lvl3pPr eaLnBrk="1" hangingPunct="1">
+              <a:defRPr>
+                <a:solidFill>
+                  <a:schemeClr val="tx2"/>
+                </a:solidFill>
+              </a:defRPr>
+            </a:lvl3pPr>
+            <a:lvl4pPr eaLnBrk="1" hangingPunct="1">
+              <a:defRPr>
+                <a:solidFill>
+                  <a:schemeClr val="tx2"/>
+                </a:solidFill>
+              </a:defRPr>
+            </a:lvl4pPr>
+            <a:lvl5pPr eaLnBrk="1" hangingPunct="1">
+              <a:defRPr>
+                <a:solidFill>
+                  <a:schemeClr val="tx2"/>
+                </a:solidFill>
+              </a:defRPr>
+            </a:lvl5pPr>
+            <a:lvl6pPr eaLnBrk="1" hangingPunct="1">
+              <a:defRPr>
+                <a:solidFill>
+                  <a:schemeClr val="tx2"/>
+                </a:solidFill>
+              </a:defRPr>
+            </a:lvl6pPr>
+            <a:lvl7pPr eaLnBrk="1" hangingPunct="1">
+              <a:defRPr>
+                <a:solidFill>
+                  <a:schemeClr val="tx2"/>
+                </a:solidFill>
+              </a:defRPr>
+            </a:lvl7pPr>
+            <a:lvl8pPr eaLnBrk="1" hangingPunct="1">
+              <a:defRPr>
+                <a:solidFill>
+                  <a:schemeClr val="tx2"/>
+                </a:solidFill>
+              </a:defRPr>
+            </a:lvl8pPr>
+            <a:lvl9pPr eaLnBrk="1" hangingPunct="1">
+              <a:defRPr>
+                <a:solidFill>
+                  <a:schemeClr val="tx2"/>
+                </a:solidFill>
+              </a:defRPr>
+            </a:lvl9pPr>
+          </a:lstStyle>
+          <a:p>
+            <a:r>
+              <a:rPr lang="en-US" dirty="0"/>
+              <a:t>Release Independence</a:t>
+            </a:r>
+          </a:p>
+        </p:txBody>
+      </p:sp>
+      <p:sp>
+        <p:nvSpPr>
+          <p:cNvPr id="7" name="Content Placeholder 2"/>
+          <p:cNvSpPr txBox="1">
+            <a:spLocks/>
+          </p:cNvSpPr>
+          <p:nvPr/>
+        </p:nvSpPr>
+        <p:spPr>
+          <a:xfrm>
+            <a:off x="736969" y="1623877"/>
+            <a:ext cx="8596668" cy="2000594"/>
+          </a:xfrm>
+          <a:prstGeom prst="rect">
+            <a:avLst/>
+          </a:prstGeom>
+        </p:spPr>
+        <p:txBody>
+          <a:bodyPr vert="horz" lIns="91440" tIns="45720" rIns="91440" bIns="45720" rtlCol="0">
+            <a:normAutofit/>
+          </a:bodyPr>
+          <a:lstStyle>
+            <a:lvl1pPr marL="342900" indent="-342900" algn="l" defTabSz="457200" rtl="0" eaLnBrk="1" latinLnBrk="0" hangingPunct="1">
+              <a:spcBef>
+                <a:spcPts val="1000"/>
+              </a:spcBef>
+              <a:spcAft>
+                <a:spcPts val="0"/>
+              </a:spcAft>
+              <a:buClr>
+                <a:schemeClr val="accent1"/>
+              </a:buClr>
+              <a:buSzPct val="80000"/>
+              <a:buFont typeface="Wingdings 3" charset="2"/>
+              <a:buChar char=""/>
+              <a:defRPr sz="1800" kern="1200">
+                <a:solidFill>
+                  <a:schemeClr val="tx1">
+                    <a:lumMod val="75000"/>
+                    <a:lumOff val="25000"/>
+                  </a:schemeClr>
+                </a:solidFill>
+                <a:latin typeface="+mn-lt"/>
+                <a:ea typeface="+mn-ea"/>
+                <a:cs typeface="+mn-cs"/>
+              </a:defRPr>
+            </a:lvl1pPr>
+            <a:lvl2pPr marL="742950" indent="-285750" algn="l" defTabSz="457200" rtl="0" eaLnBrk="1" latinLnBrk="0" hangingPunct="1">
+              <a:spcBef>
+                <a:spcPts val="1000"/>
+              </a:spcBef>
+              <a:spcAft>
+                <a:spcPts val="0"/>
+              </a:spcAft>
+              <a:buClr>
+                <a:schemeClr val="accent1"/>
+              </a:buClr>
+              <a:buSzPct val="80000"/>
+              <a:buFont typeface="Wingdings 3" charset="2"/>
+              <a:buChar char=""/>
+              <a:defRPr sz="1600" kern="1200">
+                <a:solidFill>
+                  <a:schemeClr val="tx1">
+                    <a:lumMod val="75000"/>
+                    <a:lumOff val="25000"/>
+                  </a:schemeClr>
+                </a:solidFill>
+                <a:latin typeface="+mn-lt"/>
+                <a:ea typeface="+mn-ea"/>
+                <a:cs typeface="+mn-cs"/>
+              </a:defRPr>
+            </a:lvl2pPr>
+            <a:lvl3pPr marL="1143000" indent="-228600" algn="l" defTabSz="457200" rtl="0" eaLnBrk="1" latinLnBrk="0" hangingPunct="1">
+              <a:spcBef>
+                <a:spcPts val="1000"/>
+              </a:spcBef>
+              <a:spcAft>
+                <a:spcPts val="0"/>
+              </a:spcAft>
+              <a:buClr>
+                <a:schemeClr val="accent1"/>
+              </a:buClr>
+              <a:buSzPct val="80000"/>
+              <a:buFont typeface="Wingdings 3" charset="2"/>
+              <a:buChar char=""/>
+              <a:defRPr sz="1400" kern="1200">
+                <a:solidFill>
+                  <a:schemeClr val="tx1">
+                    <a:lumMod val="75000"/>
+                    <a:lumOff val="25000"/>
+                  </a:schemeClr>
+                </a:solidFill>
+                <a:latin typeface="+mn-lt"/>
+                <a:ea typeface="+mn-ea"/>
+                <a:cs typeface="+mn-cs"/>
+              </a:defRPr>
+            </a:lvl3pPr>
+            <a:lvl4pPr marL="1600200" indent="-228600" algn="l" defTabSz="457200" rtl="0" eaLnBrk="1" latinLnBrk="0" hangingPunct="1">
+              <a:spcBef>
+                <a:spcPts val="1000"/>
+              </a:spcBef>
+              <a:spcAft>
+                <a:spcPts val="0"/>
+              </a:spcAft>
+              <a:buClr>
+                <a:schemeClr val="accent1"/>
+              </a:buClr>
+              <a:buSzPct val="80000"/>
+              <a:buFont typeface="Wingdings 3" charset="2"/>
+              <a:buChar char=""/>
+              <a:defRPr sz="1200" kern="1200">
+                <a:solidFill>
+                  <a:schemeClr val="tx1">
+                    <a:lumMod val="75000"/>
+                    <a:lumOff val="25000"/>
+                  </a:schemeClr>
+                </a:solidFill>
+                <a:latin typeface="+mn-lt"/>
+                <a:ea typeface="+mn-ea"/>
+                <a:cs typeface="+mn-cs"/>
+              </a:defRPr>
+            </a:lvl4pPr>
+            <a:lvl5pPr marL="2057400" indent="-228600" algn="l" defTabSz="457200" rtl="0" eaLnBrk="1" latinLnBrk="0" hangingPunct="1">
+              <a:spcBef>
+                <a:spcPts val="1000"/>
+              </a:spcBef>
+              <a:spcAft>
+                <a:spcPts val="0"/>
+              </a:spcAft>
+              <a:buClr>
+                <a:schemeClr val="accent1"/>
+              </a:buClr>
+              <a:buSzPct val="80000"/>
+              <a:buFont typeface="Wingdings 3" charset="2"/>
+              <a:buChar char=""/>
+              <a:defRPr sz="1200" kern="1200">
+                <a:solidFill>
+                  <a:schemeClr val="tx1">
+                    <a:lumMod val="75000"/>
+                    <a:lumOff val="25000"/>
+                  </a:schemeClr>
+                </a:solidFill>
+                <a:latin typeface="+mn-lt"/>
+                <a:ea typeface="+mn-ea"/>
+                <a:cs typeface="+mn-cs"/>
+              </a:defRPr>
+            </a:lvl5pPr>
+            <a:lvl6pPr marL="2514600" indent="-228600" algn="l" defTabSz="457200" rtl="0" eaLnBrk="1" latinLnBrk="0" hangingPunct="1">
+              <a:spcBef>
+                <a:spcPts val="1000"/>
+              </a:spcBef>
+              <a:spcAft>
+                <a:spcPts val="0"/>
+              </a:spcAft>
+              <a:buClr>
+                <a:schemeClr val="accent1"/>
+              </a:buClr>
+              <a:buSzPct val="80000"/>
+              <a:buFont typeface="Wingdings 3" charset="2"/>
+              <a:buChar char=""/>
+              <a:defRPr sz="1200" kern="1200">
+                <a:solidFill>
+                  <a:schemeClr val="tx1">
+                    <a:lumMod val="75000"/>
+                    <a:lumOff val="25000"/>
+                  </a:schemeClr>
+                </a:solidFill>
+                <a:latin typeface="+mn-lt"/>
+                <a:ea typeface="+mn-ea"/>
+                <a:cs typeface="+mn-cs"/>
+              </a:defRPr>
+            </a:lvl6pPr>
+            <a:lvl7pPr marL="2971800" indent="-228600" algn="l" defTabSz="457200" rtl="0" eaLnBrk="1" latinLnBrk="0" hangingPunct="1">
+              <a:spcBef>
+                <a:spcPts val="1000"/>
+              </a:spcBef>
+              <a:spcAft>
+                <a:spcPts val="0"/>
+              </a:spcAft>
+              <a:buClr>
+                <a:schemeClr val="accent1"/>
+              </a:buClr>
+              <a:buSzPct val="80000"/>
+              <a:buFont typeface="Wingdings 3" charset="2"/>
+              <a:buChar char=""/>
+              <a:defRPr sz="1200" kern="1200">
+                <a:solidFill>
+                  <a:schemeClr val="tx1">
+                    <a:lumMod val="75000"/>
+                    <a:lumOff val="25000"/>
+                  </a:schemeClr>
+                </a:solidFill>
+                <a:latin typeface="+mn-lt"/>
+                <a:ea typeface="+mn-ea"/>
+                <a:cs typeface="+mn-cs"/>
+              </a:defRPr>
+            </a:lvl7pPr>
+            <a:lvl8pPr marL="3429000" indent="-228600" algn="l" defTabSz="457200" rtl="0" eaLnBrk="1" latinLnBrk="0" hangingPunct="1">
+              <a:spcBef>
+                <a:spcPts val="1000"/>
+              </a:spcBef>
+              <a:spcAft>
+                <a:spcPts val="0"/>
+              </a:spcAft>
+              <a:buClr>
+                <a:schemeClr val="accent1"/>
+              </a:buClr>
+              <a:buSzPct val="80000"/>
+              <a:buFont typeface="Wingdings 3" charset="2"/>
+              <a:buChar char=""/>
+              <a:defRPr sz="1200" kern="1200">
+                <a:solidFill>
+                  <a:schemeClr val="tx1">
+                    <a:lumMod val="75000"/>
+                    <a:lumOff val="25000"/>
+                  </a:schemeClr>
+                </a:solidFill>
+                <a:latin typeface="+mn-lt"/>
+                <a:ea typeface="+mn-ea"/>
+                <a:cs typeface="+mn-cs"/>
+              </a:defRPr>
+            </a:lvl8pPr>
+            <a:lvl9pPr marL="3886200" indent="-228600" algn="l" defTabSz="457200" rtl="0" eaLnBrk="1" latinLnBrk="0" hangingPunct="1">
+              <a:spcBef>
+                <a:spcPts val="1000"/>
+              </a:spcBef>
+              <a:spcAft>
+                <a:spcPts val="0"/>
+              </a:spcAft>
+              <a:buClr>
+                <a:schemeClr val="accent1"/>
+              </a:buClr>
+              <a:buSzPct val="80000"/>
+              <a:buFont typeface="Wingdings 3" charset="2"/>
+              <a:buChar char=""/>
+              <a:defRPr sz="1200" kern="1200">
+                <a:solidFill>
+                  <a:schemeClr val="tx1">
+                    <a:lumMod val="75000"/>
+                    <a:lumOff val="25000"/>
+                  </a:schemeClr>
+                </a:solidFill>
+                <a:latin typeface="+mn-lt"/>
+                <a:ea typeface="+mn-ea"/>
+                <a:cs typeface="+mn-cs"/>
+              </a:defRPr>
+            </a:lvl9pPr>
+          </a:lstStyle>
+          <a:p>
+            <a:r>
+              <a:rPr lang="en-US" sz="2500"/>
+              <a:t>Automating Deployment</a:t>
+            </a:r>
+          </a:p>
+          <a:p>
+            <a:r>
+              <a:rPr lang="en-US" sz="2500"/>
+              <a:t>DevOps tool chain</a:t>
+            </a:r>
+          </a:p>
+          <a:p>
+            <a:r>
+              <a:rPr lang="en-US" sz="2500"/>
+              <a:t>Rolling upgrade tool</a:t>
+            </a:r>
+          </a:p>
+          <a:p>
+            <a:r>
+              <a:rPr lang="en-US" sz="2500"/>
+              <a:t>Smoke test script</a:t>
+            </a:r>
+          </a:p>
+          <a:p>
+            <a:endParaRPr lang="en-US" dirty="0"/>
+          </a:p>
+        </p:txBody>
+      </p:sp>
+    </p:spTree>
+    <p:extLst>
+      <p:ext uri="{BB962C8B-B14F-4D97-AF65-F5344CB8AC3E}">
+        <p14:creationId xmlns:p14="http://schemas.microsoft.com/office/powerpoint/2010/main" val="4246979781"/>
+      </p:ext>
+    </p:extLst>
+  </p:cSld>
+  <p:clrMapOvr>
+    <a:masterClrMapping/>
+  </p:clrMapOvr>
+</p:sld>
+</file>
+
+<file path=ppt/slides/slide11.xml><?xml version="1.0" encoding="utf-8"?>
+<p:sld xmlns:a="http://schemas.openxmlformats.org/drawingml/2006/main" xmlns:r="http://schemas.openxmlformats.org/officeDocument/2006/relationships" xmlns:p="http://schemas.openxmlformats.org/presentationml/2006/main">
+  <p:cSld>
+    <p:spTree>
+      <p:nvGrpSpPr>
+        <p:cNvPr id="1" name=""/>
+        <p:cNvGrpSpPr/>
+        <p:nvPr/>
+      </p:nvGrpSpPr>
+      <p:grpSpPr>
+        <a:xfrm>
+          <a:off x="0" y="0"/>
+          <a:ext cx="0" cy="0"/>
+          <a:chOff x="0" y="0"/>
+          <a:chExt cx="0" cy="0"/>
+        </a:xfrm>
+      </p:grpSpPr>
+      <p:sp>
+        <p:nvSpPr>
+          <p:cNvPr id="2" name="Title 1"/>
+          <p:cNvSpPr>
+            <a:spLocks noGrp="1"/>
+          </p:cNvSpPr>
+          <p:nvPr>
+            <p:ph type="title"/>
+          </p:nvPr>
+        </p:nvSpPr>
+        <p:spPr>
+          <a:xfrm>
+            <a:off x="677334" y="609600"/>
+            <a:ext cx="8596668" cy="543339"/>
+          </a:xfrm>
+        </p:spPr>
+        <p:txBody>
+          <a:bodyPr>
+            <a:normAutofit fontScale="90000"/>
+          </a:bodyPr>
+          <a:lstStyle/>
+          <a:p>
+            <a:r>
+              <a:rPr lang="en-US" dirty="0" err="1"/>
+              <a:t>SLIPway</a:t>
+            </a:r>
+            <a:endParaRPr lang="en-US" dirty="0"/>
+          </a:p>
+        </p:txBody>
+      </p:sp>
+      <p:pic>
+        <p:nvPicPr>
+          <p:cNvPr id="5" name="Picture 4"/>
+          <p:cNvPicPr>
+            <a:picLocks noChangeAspect="1"/>
+          </p:cNvPicPr>
+          <p:nvPr/>
+        </p:nvPicPr>
+        <p:blipFill>
+          <a:blip r:embed="rId2"/>
+          <a:stretch>
+            <a:fillRect/>
+          </a:stretch>
+        </p:blipFill>
+        <p:spPr>
+          <a:xfrm>
+            <a:off x="561336" y="1299748"/>
+            <a:ext cx="3918335" cy="5101052"/>
+          </a:xfrm>
+          <a:prstGeom prst="rect">
+            <a:avLst/>
+          </a:prstGeom>
+        </p:spPr>
+      </p:pic>
+      <p:sp>
+        <p:nvSpPr>
+          <p:cNvPr id="7" name="Subtitle 2"/>
+          <p:cNvSpPr txBox="1">
+            <a:spLocks/>
+          </p:cNvSpPr>
+          <p:nvPr/>
+        </p:nvSpPr>
+        <p:spPr>
+          <a:xfrm>
+            <a:off x="5128591" y="1550504"/>
+            <a:ext cx="4943061" cy="4121426"/>
+          </a:xfrm>
+          <a:prstGeom prst="rect">
+            <a:avLst/>
+          </a:prstGeom>
+        </p:spPr>
+        <p:txBody>
+          <a:bodyPr vert="horz" lIns="91440" tIns="45720" rIns="91440" bIns="45720" rtlCol="0">
+            <a:normAutofit/>
+          </a:bodyPr>
+          <a:lstStyle>
+            <a:lvl1pPr marL="342900" indent="-342900" algn="l" defTabSz="457200" rtl="0" eaLnBrk="1" latinLnBrk="0" hangingPunct="1">
+              <a:spcBef>
+                <a:spcPts val="1000"/>
+              </a:spcBef>
+              <a:spcAft>
+                <a:spcPts val="0"/>
+              </a:spcAft>
+              <a:buClr>
+                <a:schemeClr val="accent1"/>
+              </a:buClr>
+              <a:buSzPct val="80000"/>
+              <a:buFont typeface="Wingdings 3" charset="2"/>
+              <a:buChar char=""/>
+              <a:defRPr sz="1800" kern="1200">
+                <a:solidFill>
+                  <a:schemeClr val="tx1">
+                    <a:lumMod val="75000"/>
+                    <a:lumOff val="25000"/>
+                  </a:schemeClr>
+                </a:solidFill>
+                <a:latin typeface="+mn-lt"/>
+                <a:ea typeface="+mn-ea"/>
+                <a:cs typeface="+mn-cs"/>
+              </a:defRPr>
+            </a:lvl1pPr>
+            <a:lvl2pPr marL="742950" indent="-285750" algn="l" defTabSz="457200" rtl="0" eaLnBrk="1" latinLnBrk="0" hangingPunct="1">
+              <a:spcBef>
+                <a:spcPts val="1000"/>
+              </a:spcBef>
+              <a:spcAft>
+                <a:spcPts val="0"/>
+              </a:spcAft>
+              <a:buClr>
+                <a:schemeClr val="accent1"/>
+              </a:buClr>
+              <a:buSzPct val="80000"/>
+              <a:buFont typeface="Wingdings 3" charset="2"/>
+              <a:buChar char=""/>
+              <a:defRPr sz="1600" kern="1200">
+                <a:solidFill>
+                  <a:schemeClr val="tx1">
+                    <a:lumMod val="75000"/>
+                    <a:lumOff val="25000"/>
+                  </a:schemeClr>
+                </a:solidFill>
+                <a:latin typeface="+mn-lt"/>
+                <a:ea typeface="+mn-ea"/>
+                <a:cs typeface="+mn-cs"/>
+              </a:defRPr>
+            </a:lvl2pPr>
+            <a:lvl3pPr marL="1143000" indent="-228600" algn="l" defTabSz="457200" rtl="0" eaLnBrk="1" latinLnBrk="0" hangingPunct="1">
+              <a:spcBef>
+                <a:spcPts val="1000"/>
+              </a:spcBef>
+              <a:spcAft>
+                <a:spcPts val="0"/>
+              </a:spcAft>
+              <a:buClr>
+                <a:schemeClr val="accent1"/>
+              </a:buClr>
+              <a:buSzPct val="80000"/>
+              <a:buFont typeface="Wingdings 3" charset="2"/>
+              <a:buChar char=""/>
+              <a:defRPr sz="1400" kern="1200">
+                <a:solidFill>
+                  <a:schemeClr val="tx1">
+                    <a:lumMod val="75000"/>
+                    <a:lumOff val="25000"/>
+                  </a:schemeClr>
+                </a:solidFill>
+                <a:latin typeface="+mn-lt"/>
+                <a:ea typeface="+mn-ea"/>
+                <a:cs typeface="+mn-cs"/>
+              </a:defRPr>
+            </a:lvl3pPr>
+            <a:lvl4pPr marL="1600200" indent="-228600" algn="l" defTabSz="457200" rtl="0" eaLnBrk="1" latinLnBrk="0" hangingPunct="1">
+              <a:spcBef>
+                <a:spcPts val="1000"/>
+              </a:spcBef>
+              <a:spcAft>
+                <a:spcPts val="0"/>
+              </a:spcAft>
+              <a:buClr>
+                <a:schemeClr val="accent1"/>
+              </a:buClr>
+              <a:buSzPct val="80000"/>
+              <a:buFont typeface="Wingdings 3" charset="2"/>
+              <a:buChar char=""/>
+              <a:defRPr sz="1200" kern="1200">
+                <a:solidFill>
+                  <a:schemeClr val="tx1">
+                    <a:lumMod val="75000"/>
+                    <a:lumOff val="25000"/>
+                  </a:schemeClr>
+                </a:solidFill>
+                <a:latin typeface="+mn-lt"/>
+                <a:ea typeface="+mn-ea"/>
+                <a:cs typeface="+mn-cs"/>
+              </a:defRPr>
+            </a:lvl4pPr>
+            <a:lvl5pPr marL="2057400" indent="-228600" algn="l" defTabSz="457200" rtl="0" eaLnBrk="1" latinLnBrk="0" hangingPunct="1">
+              <a:spcBef>
+                <a:spcPts val="1000"/>
+              </a:spcBef>
+              <a:spcAft>
+                <a:spcPts val="0"/>
+              </a:spcAft>
+              <a:buClr>
+                <a:schemeClr val="accent1"/>
+              </a:buClr>
+              <a:buSzPct val="80000"/>
+              <a:buFont typeface="Wingdings 3" charset="2"/>
+              <a:buChar char=""/>
+              <a:defRPr sz="1200" kern="1200">
+                <a:solidFill>
+                  <a:schemeClr val="tx1">
+                    <a:lumMod val="75000"/>
+                    <a:lumOff val="25000"/>
+                  </a:schemeClr>
+                </a:solidFill>
+                <a:latin typeface="+mn-lt"/>
+                <a:ea typeface="+mn-ea"/>
+                <a:cs typeface="+mn-cs"/>
+              </a:defRPr>
+            </a:lvl5pPr>
+            <a:lvl6pPr marL="2514600" indent="-228600" algn="l" defTabSz="457200" rtl="0" eaLnBrk="1" latinLnBrk="0" hangingPunct="1">
+              <a:spcBef>
+                <a:spcPts val="1000"/>
+              </a:spcBef>
+              <a:spcAft>
+                <a:spcPts val="0"/>
+              </a:spcAft>
+              <a:buClr>
+                <a:schemeClr val="accent1"/>
+              </a:buClr>
+              <a:buSzPct val="80000"/>
+              <a:buFont typeface="Wingdings 3" charset="2"/>
+              <a:buChar char=""/>
+              <a:defRPr sz="1200" kern="1200">
+                <a:solidFill>
+                  <a:schemeClr val="tx1">
+                    <a:lumMod val="75000"/>
+                    <a:lumOff val="25000"/>
+                  </a:schemeClr>
+                </a:solidFill>
+                <a:latin typeface="+mn-lt"/>
+                <a:ea typeface="+mn-ea"/>
+                <a:cs typeface="+mn-cs"/>
+              </a:defRPr>
+            </a:lvl6pPr>
+            <a:lvl7pPr marL="2971800" indent="-228600" algn="l" defTabSz="457200" rtl="0" eaLnBrk="1" latinLnBrk="0" hangingPunct="1">
+              <a:spcBef>
+                <a:spcPts val="1000"/>
+              </a:spcBef>
+              <a:spcAft>
+                <a:spcPts val="0"/>
+              </a:spcAft>
+              <a:buClr>
+                <a:schemeClr val="accent1"/>
+              </a:buClr>
+              <a:buSzPct val="80000"/>
+              <a:buFont typeface="Wingdings 3" charset="2"/>
+              <a:buChar char=""/>
+              <a:defRPr sz="1200" kern="1200">
+                <a:solidFill>
+                  <a:schemeClr val="tx1">
+                    <a:lumMod val="75000"/>
+                    <a:lumOff val="25000"/>
+                  </a:schemeClr>
+                </a:solidFill>
+                <a:latin typeface="+mn-lt"/>
+                <a:ea typeface="+mn-ea"/>
+                <a:cs typeface="+mn-cs"/>
+              </a:defRPr>
+            </a:lvl7pPr>
+            <a:lvl8pPr marL="3429000" indent="-228600" algn="l" defTabSz="457200" rtl="0" eaLnBrk="1" latinLnBrk="0" hangingPunct="1">
+              <a:spcBef>
+                <a:spcPts val="1000"/>
+              </a:spcBef>
+              <a:spcAft>
+                <a:spcPts val="0"/>
+              </a:spcAft>
+              <a:buClr>
+                <a:schemeClr val="accent1"/>
+              </a:buClr>
+              <a:buSzPct val="80000"/>
+              <a:buFont typeface="Wingdings 3" charset="2"/>
+              <a:buChar char=""/>
+              <a:defRPr sz="1200" kern="1200">
+                <a:solidFill>
+                  <a:schemeClr val="tx1">
+                    <a:lumMod val="75000"/>
+                    <a:lumOff val="25000"/>
+                  </a:schemeClr>
+                </a:solidFill>
+                <a:latin typeface="+mn-lt"/>
+                <a:ea typeface="+mn-ea"/>
+                <a:cs typeface="+mn-cs"/>
+              </a:defRPr>
+            </a:lvl8pPr>
+            <a:lvl9pPr marL="3886200" indent="-228600" algn="l" defTabSz="457200" rtl="0" eaLnBrk="1" latinLnBrk="0" hangingPunct="1">
+              <a:spcBef>
+                <a:spcPts val="1000"/>
+              </a:spcBef>
+              <a:spcAft>
+                <a:spcPts val="0"/>
+              </a:spcAft>
+              <a:buClr>
+                <a:schemeClr val="accent1"/>
+              </a:buClr>
+              <a:buSzPct val="80000"/>
+              <a:buFont typeface="Wingdings 3" charset="2"/>
+              <a:buChar char=""/>
+              <a:defRPr sz="1200" kern="1200">
+                <a:solidFill>
+                  <a:schemeClr val="tx1">
+                    <a:lumMod val="75000"/>
+                    <a:lumOff val="25000"/>
+                  </a:schemeClr>
+                </a:solidFill>
+                <a:latin typeface="+mn-lt"/>
+                <a:ea typeface="+mn-ea"/>
+                <a:cs typeface="+mn-cs"/>
+              </a:defRPr>
+            </a:lvl9pPr>
+          </a:lstStyle>
+          <a:p>
+            <a:pPr>
+              <a:buFont typeface="Wingdings" panose="05000000000000000000" pitchFamily="2" charset="2"/>
+              <a:buChar char="v"/>
+            </a:pPr>
+            <a:r>
+              <a:rPr lang="en-US" sz="2800" dirty="0"/>
+              <a:t>Big review of old release processes – Focus on reducing cycle Time</a:t>
+            </a:r>
+          </a:p>
+          <a:p>
+            <a:pPr>
+              <a:buFont typeface="Wingdings" panose="05000000000000000000" pitchFamily="2" charset="2"/>
+              <a:buChar char="v"/>
+            </a:pPr>
+            <a:r>
+              <a:rPr lang="en-US" sz="2800" dirty="0"/>
+              <a:t>Simple Lightweight Independent  Path Way</a:t>
+            </a:r>
+          </a:p>
+          <a:p>
+            <a:pPr>
+              <a:buFont typeface="Wingdings" panose="05000000000000000000" pitchFamily="2" charset="2"/>
+              <a:buChar char="v"/>
+            </a:pPr>
+            <a:r>
+              <a:rPr lang="en-US" sz="2800" dirty="0"/>
+              <a:t>Simple rules for release Process</a:t>
+            </a:r>
+          </a:p>
+          <a:p>
+            <a:pPr>
+              <a:buFont typeface="Wingdings" panose="05000000000000000000" pitchFamily="2" charset="2"/>
+              <a:buChar char="v"/>
+            </a:pPr>
+            <a:r>
+              <a:rPr lang="en-US" sz="2800" dirty="0"/>
+              <a:t>Keep changes independent</a:t>
+            </a:r>
+          </a:p>
+        </p:txBody>
+      </p:sp>
+    </p:spTree>
+    <p:extLst>
+      <p:ext uri="{BB962C8B-B14F-4D97-AF65-F5344CB8AC3E}">
+        <p14:creationId xmlns:p14="http://schemas.microsoft.com/office/powerpoint/2010/main" val="2100685650"/>
+      </p:ext>
+    </p:extLst>
+  </p:cSld>
+  <p:clrMapOvr>
+    <a:masterClrMapping/>
+  </p:clrMapOvr>
+</p:sld>
+</file>
+
+<file path=ppt/slides/slide12.xml><?xml version="1.0" encoding="utf-8"?>
+<p:sld xmlns:a="http://schemas.openxmlformats.org/drawingml/2006/main" xmlns:r="http://schemas.openxmlformats.org/officeDocument/2006/relationships" xmlns:p="http://schemas.openxmlformats.org/presentationml/2006/main">
+  <p:cSld>
+    <p:spTree>
+      <p:nvGrpSpPr>
+        <p:cNvPr id="1" name=""/>
+        <p:cNvGrpSpPr/>
+        <p:nvPr/>
+      </p:nvGrpSpPr>
+      <p:grpSpPr>
+        <a:xfrm>
+          <a:off x="0" y="0"/>
+          <a:ext cx="0" cy="0"/>
+          <a:chOff x="0" y="0"/>
+          <a:chExt cx="0" cy="0"/>
+        </a:xfrm>
+      </p:grpSpPr>
+      <p:sp>
+        <p:nvSpPr>
+          <p:cNvPr id="2" name="Title 1"/>
+          <p:cNvSpPr>
+            <a:spLocks noGrp="1"/>
+          </p:cNvSpPr>
+          <p:nvPr>
+            <p:ph type="title"/>
+          </p:nvPr>
+        </p:nvSpPr>
+        <p:spPr>
+          <a:xfrm>
+            <a:off x="266516" y="280945"/>
+            <a:ext cx="8596668" cy="901148"/>
+          </a:xfrm>
+        </p:spPr>
+        <p:txBody>
+          <a:bodyPr>
+            <a:normAutofit fontScale="90000"/>
+          </a:bodyPr>
+          <a:lstStyle/>
+          <a:p>
+            <a:r>
+              <a:rPr lang="en-US" dirty="0">
+                <a:latin typeface="OpenSans-Light"/>
+              </a:rPr>
+              <a:t>Simple Rules for </a:t>
+            </a:r>
+            <a:r>
+              <a:rPr lang="en-US" dirty="0" err="1">
+                <a:latin typeface="OpenSans-Light"/>
+              </a:rPr>
+              <a:t>SLIPway</a:t>
+            </a:r>
+            <a:br>
+              <a:rPr lang="en-US" dirty="0">
+                <a:latin typeface="OpenSans-Light"/>
+              </a:rPr>
+            </a:br>
+            <a:endParaRPr lang="en-US" dirty="0"/>
+          </a:p>
+        </p:txBody>
+      </p:sp>
+      <p:pic>
+        <p:nvPicPr>
+          <p:cNvPr id="5" name="Picture 4"/>
+          <p:cNvPicPr>
+            <a:picLocks noChangeAspect="1"/>
+          </p:cNvPicPr>
+          <p:nvPr/>
+        </p:nvPicPr>
+        <p:blipFill>
+          <a:blip r:embed="rId2"/>
+          <a:stretch>
+            <a:fillRect/>
+          </a:stretch>
+        </p:blipFill>
+        <p:spPr>
+          <a:xfrm>
+            <a:off x="5891443" y="731519"/>
+            <a:ext cx="3584438" cy="5183945"/>
+          </a:xfrm>
+          <a:prstGeom prst="rect">
+            <a:avLst/>
+          </a:prstGeom>
+        </p:spPr>
+      </p:pic>
+      <p:sp>
+        <p:nvSpPr>
+          <p:cNvPr id="6" name="Subtitle 2"/>
+          <p:cNvSpPr txBox="1">
+            <a:spLocks/>
+          </p:cNvSpPr>
+          <p:nvPr/>
+        </p:nvSpPr>
+        <p:spPr>
+          <a:xfrm>
+            <a:off x="159025" y="1152938"/>
+            <a:ext cx="5530539" cy="5380384"/>
+          </a:xfrm>
+          <a:prstGeom prst="rect">
+            <a:avLst/>
+          </a:prstGeom>
+        </p:spPr>
+        <p:txBody>
+          <a:bodyPr vert="horz" lIns="91440" tIns="45720" rIns="91440" bIns="45720" rtlCol="0">
+            <a:normAutofit lnSpcReduction="10000"/>
+          </a:bodyPr>
+          <a:lstStyle>
+            <a:lvl1pPr marL="342900" indent="-342900" algn="l" defTabSz="457200" rtl="0" eaLnBrk="1" latinLnBrk="0" hangingPunct="1">
+              <a:spcBef>
+                <a:spcPts val="1000"/>
+              </a:spcBef>
+              <a:spcAft>
+                <a:spcPts val="0"/>
+              </a:spcAft>
+              <a:buClr>
+                <a:schemeClr val="accent1"/>
+              </a:buClr>
+              <a:buSzPct val="80000"/>
+              <a:buFont typeface="Wingdings 3" charset="2"/>
+              <a:buChar char=""/>
+              <a:defRPr sz="1800" kern="1200">
+                <a:solidFill>
+                  <a:schemeClr val="tx1">
+                    <a:lumMod val="75000"/>
+                    <a:lumOff val="25000"/>
+                  </a:schemeClr>
+                </a:solidFill>
+                <a:latin typeface="+mn-lt"/>
+                <a:ea typeface="+mn-ea"/>
+                <a:cs typeface="+mn-cs"/>
+              </a:defRPr>
+            </a:lvl1pPr>
+            <a:lvl2pPr marL="742950" indent="-285750" algn="l" defTabSz="457200" rtl="0" eaLnBrk="1" latinLnBrk="0" hangingPunct="1">
+              <a:spcBef>
+                <a:spcPts val="1000"/>
+              </a:spcBef>
+              <a:spcAft>
+                <a:spcPts val="0"/>
+              </a:spcAft>
+              <a:buClr>
+                <a:schemeClr val="accent1"/>
+              </a:buClr>
+              <a:buSzPct val="80000"/>
+              <a:buFont typeface="Wingdings 3" charset="2"/>
+              <a:buChar char=""/>
+              <a:defRPr sz="1600" kern="1200">
+                <a:solidFill>
+                  <a:schemeClr val="tx1">
+                    <a:lumMod val="75000"/>
+                    <a:lumOff val="25000"/>
+                  </a:schemeClr>
+                </a:solidFill>
+                <a:latin typeface="+mn-lt"/>
+                <a:ea typeface="+mn-ea"/>
+                <a:cs typeface="+mn-cs"/>
+              </a:defRPr>
+            </a:lvl2pPr>
+            <a:lvl3pPr marL="1143000" indent="-228600" algn="l" defTabSz="457200" rtl="0" eaLnBrk="1" latinLnBrk="0" hangingPunct="1">
+              <a:spcBef>
+                <a:spcPts val="1000"/>
+              </a:spcBef>
+              <a:spcAft>
+                <a:spcPts val="0"/>
+              </a:spcAft>
+              <a:buClr>
+                <a:schemeClr val="accent1"/>
+              </a:buClr>
+              <a:buSzPct val="80000"/>
+              <a:buFont typeface="Wingdings 3" charset="2"/>
+              <a:buChar char=""/>
+              <a:defRPr sz="1400" kern="1200">
+                <a:solidFill>
+                  <a:schemeClr val="tx1">
+                    <a:lumMod val="75000"/>
+                    <a:lumOff val="25000"/>
+                  </a:schemeClr>
+                </a:solidFill>
+                <a:latin typeface="+mn-lt"/>
+                <a:ea typeface="+mn-ea"/>
+                <a:cs typeface="+mn-cs"/>
+              </a:defRPr>
+            </a:lvl3pPr>
+            <a:lvl4pPr marL="1600200" indent="-228600" algn="l" defTabSz="457200" rtl="0" eaLnBrk="1" latinLnBrk="0" hangingPunct="1">
+              <a:spcBef>
+                <a:spcPts val="1000"/>
+              </a:spcBef>
+              <a:spcAft>
+                <a:spcPts val="0"/>
+              </a:spcAft>
+              <a:buClr>
+                <a:schemeClr val="accent1"/>
+              </a:buClr>
+              <a:buSzPct val="80000"/>
+              <a:buFont typeface="Wingdings 3" charset="2"/>
+              <a:buChar char=""/>
+              <a:defRPr sz="1200" kern="1200">
+                <a:solidFill>
+                  <a:schemeClr val="tx1">
+                    <a:lumMod val="75000"/>
+                    <a:lumOff val="25000"/>
+                  </a:schemeClr>
+                </a:solidFill>
+                <a:latin typeface="+mn-lt"/>
+                <a:ea typeface="+mn-ea"/>
+                <a:cs typeface="+mn-cs"/>
+              </a:defRPr>
+            </a:lvl4pPr>
+            <a:lvl5pPr marL="2057400" indent="-228600" algn="l" defTabSz="457200" rtl="0" eaLnBrk="1" latinLnBrk="0" hangingPunct="1">
+              <a:spcBef>
+                <a:spcPts val="1000"/>
+              </a:spcBef>
+              <a:spcAft>
+                <a:spcPts val="0"/>
+              </a:spcAft>
+              <a:buClr>
+                <a:schemeClr val="accent1"/>
+              </a:buClr>
+              <a:buSzPct val="80000"/>
+              <a:buFont typeface="Wingdings 3" charset="2"/>
+              <a:buChar char=""/>
+              <a:defRPr sz="1200" kern="1200">
+                <a:solidFill>
+                  <a:schemeClr val="tx1">
+                    <a:lumMod val="75000"/>
+                    <a:lumOff val="25000"/>
+                  </a:schemeClr>
+                </a:solidFill>
+                <a:latin typeface="+mn-lt"/>
+                <a:ea typeface="+mn-ea"/>
+                <a:cs typeface="+mn-cs"/>
+              </a:defRPr>
+            </a:lvl5pPr>
+            <a:lvl6pPr marL="2514600" indent="-228600" algn="l" defTabSz="457200" rtl="0" eaLnBrk="1" latinLnBrk="0" hangingPunct="1">
+              <a:spcBef>
+                <a:spcPts val="1000"/>
+              </a:spcBef>
+              <a:spcAft>
+                <a:spcPts val="0"/>
+              </a:spcAft>
+              <a:buClr>
+                <a:schemeClr val="accent1"/>
+              </a:buClr>
+              <a:buSzPct val="80000"/>
+              <a:buFont typeface="Wingdings 3" charset="2"/>
+              <a:buChar char=""/>
+              <a:defRPr sz="1200" kern="1200">
+                <a:solidFill>
+                  <a:schemeClr val="tx1">
+                    <a:lumMod val="75000"/>
+                    <a:lumOff val="25000"/>
+                  </a:schemeClr>
+                </a:solidFill>
+                <a:latin typeface="+mn-lt"/>
+                <a:ea typeface="+mn-ea"/>
+                <a:cs typeface="+mn-cs"/>
+              </a:defRPr>
+            </a:lvl6pPr>
+            <a:lvl7pPr marL="2971800" indent="-228600" algn="l" defTabSz="457200" rtl="0" eaLnBrk="1" latinLnBrk="0" hangingPunct="1">
+              <a:spcBef>
+                <a:spcPts val="1000"/>
+              </a:spcBef>
+              <a:spcAft>
+                <a:spcPts val="0"/>
+              </a:spcAft>
+              <a:buClr>
+                <a:schemeClr val="accent1"/>
+              </a:buClr>
+              <a:buSzPct val="80000"/>
+              <a:buFont typeface="Wingdings 3" charset="2"/>
+              <a:buChar char=""/>
+              <a:defRPr sz="1200" kern="1200">
+                <a:solidFill>
+                  <a:schemeClr val="tx1">
+                    <a:lumMod val="75000"/>
+                    <a:lumOff val="25000"/>
+                  </a:schemeClr>
+                </a:solidFill>
+                <a:latin typeface="+mn-lt"/>
+                <a:ea typeface="+mn-ea"/>
+                <a:cs typeface="+mn-cs"/>
+              </a:defRPr>
+            </a:lvl7pPr>
+            <a:lvl8pPr marL="3429000" indent="-228600" algn="l" defTabSz="457200" rtl="0" eaLnBrk="1" latinLnBrk="0" hangingPunct="1">
+              <a:spcBef>
+                <a:spcPts val="1000"/>
+              </a:spcBef>
+              <a:spcAft>
+                <a:spcPts val="0"/>
+              </a:spcAft>
+              <a:buClr>
+                <a:schemeClr val="accent1"/>
+              </a:buClr>
+              <a:buSzPct val="80000"/>
+              <a:buFont typeface="Wingdings 3" charset="2"/>
+              <a:buChar char=""/>
+              <a:defRPr sz="1200" kern="1200">
+                <a:solidFill>
+                  <a:schemeClr val="tx1">
+                    <a:lumMod val="75000"/>
+                    <a:lumOff val="25000"/>
+                  </a:schemeClr>
+                </a:solidFill>
+                <a:latin typeface="+mn-lt"/>
+                <a:ea typeface="+mn-ea"/>
+                <a:cs typeface="+mn-cs"/>
+              </a:defRPr>
+            </a:lvl8pPr>
+            <a:lvl9pPr marL="3886200" indent="-228600" algn="l" defTabSz="457200" rtl="0" eaLnBrk="1" latinLnBrk="0" hangingPunct="1">
+              <a:spcBef>
+                <a:spcPts val="1000"/>
+              </a:spcBef>
+              <a:spcAft>
+                <a:spcPts val="0"/>
+              </a:spcAft>
+              <a:buClr>
+                <a:schemeClr val="accent1"/>
+              </a:buClr>
+              <a:buSzPct val="80000"/>
+              <a:buFont typeface="Wingdings 3" charset="2"/>
+              <a:buChar char=""/>
+              <a:defRPr sz="1200" kern="1200">
+                <a:solidFill>
+                  <a:schemeClr val="tx1">
+                    <a:lumMod val="75000"/>
+                    <a:lumOff val="25000"/>
+                  </a:schemeClr>
+                </a:solidFill>
+                <a:latin typeface="+mn-lt"/>
+                <a:ea typeface="+mn-ea"/>
+                <a:cs typeface="+mn-cs"/>
+              </a:defRPr>
+            </a:lvl9pPr>
+          </a:lstStyle>
+          <a:p>
+            <a:pPr>
+              <a:buFont typeface="Wingdings" panose="05000000000000000000" pitchFamily="2" charset="2"/>
+              <a:buChar char="v"/>
+            </a:pPr>
+            <a:r>
+              <a:rPr lang="en-US" sz="2800" dirty="0"/>
+              <a:t> Independent</a:t>
+            </a:r>
+          </a:p>
+          <a:p>
+            <a:pPr>
+              <a:buFont typeface="Wingdings" panose="05000000000000000000" pitchFamily="2" charset="2"/>
+              <a:buChar char="v"/>
+            </a:pPr>
+            <a:r>
+              <a:rPr lang="en-US" sz="2800" dirty="0"/>
+              <a:t>One application per release</a:t>
+            </a:r>
+          </a:p>
+          <a:p>
+            <a:pPr>
+              <a:buFont typeface="Wingdings" panose="05000000000000000000" pitchFamily="2" charset="2"/>
+              <a:buChar char="v"/>
+            </a:pPr>
+            <a:r>
+              <a:rPr lang="en-US" sz="2800" dirty="0"/>
+              <a:t>Backwards-compatible</a:t>
+            </a:r>
+          </a:p>
+          <a:p>
+            <a:pPr>
+              <a:buFont typeface="Wingdings" panose="05000000000000000000" pitchFamily="2" charset="2"/>
+              <a:buChar char="v"/>
+            </a:pPr>
+            <a:r>
+              <a:rPr lang="en-US" sz="2800" dirty="0"/>
+              <a:t>No DB/Network/OS changes</a:t>
+            </a:r>
+          </a:p>
+          <a:p>
+            <a:pPr>
+              <a:buFont typeface="Wingdings" panose="05000000000000000000" pitchFamily="2" charset="2"/>
+              <a:buChar char="v"/>
+            </a:pPr>
+            <a:r>
+              <a:rPr lang="en-US" sz="2800" dirty="0"/>
+              <a:t> No manual testing</a:t>
+            </a:r>
+          </a:p>
+          <a:p>
+            <a:pPr>
+              <a:buFont typeface="Wingdings" panose="05000000000000000000" pitchFamily="2" charset="2"/>
+              <a:buChar char="v"/>
+            </a:pPr>
+            <a:r>
+              <a:rPr lang="en-US" sz="2800" dirty="0"/>
+              <a:t>Cannot book specific time</a:t>
+            </a:r>
+          </a:p>
+          <a:p>
+            <a:pPr>
+              <a:buFont typeface="Wingdings" panose="05000000000000000000" pitchFamily="2" charset="2"/>
+              <a:buChar char="v"/>
+            </a:pPr>
+            <a:r>
+              <a:rPr lang="en-US" sz="2800" dirty="0"/>
+              <a:t> Feature switch for time</a:t>
+            </a:r>
+          </a:p>
+          <a:p>
+            <a:pPr>
+              <a:buFont typeface="Wingdings" panose="05000000000000000000" pitchFamily="2" charset="2"/>
+              <a:buChar char="v"/>
+            </a:pPr>
+            <a:r>
+              <a:rPr lang="en-US" sz="2800" dirty="0"/>
+              <a:t>Ops will service queue within 24  hours</a:t>
+            </a:r>
+          </a:p>
+          <a:p>
+            <a:pPr>
+              <a:buFont typeface="Wingdings" panose="05000000000000000000" pitchFamily="2" charset="2"/>
+              <a:buChar char="v"/>
+            </a:pPr>
+            <a:r>
+              <a:rPr lang="en-US" sz="2800" dirty="0"/>
+              <a:t>Compliance with latest standards</a:t>
+            </a:r>
+          </a:p>
+        </p:txBody>
+      </p:sp>
+    </p:spTree>
+    <p:extLst>
+      <p:ext uri="{BB962C8B-B14F-4D97-AF65-F5344CB8AC3E}">
+        <p14:creationId xmlns:p14="http://schemas.microsoft.com/office/powerpoint/2010/main" val="2686755201"/>
+      </p:ext>
+    </p:extLst>
+  </p:cSld>
+  <p:clrMapOvr>
+    <a:masterClrMapping/>
+  </p:clrMapOvr>
+</p:sld>
+</file>
+
+<file path=ppt/slides/slide13.xml><?xml version="1.0" encoding="utf-8"?>
+<p:sld xmlns:a="http://schemas.openxmlformats.org/drawingml/2006/main" xmlns:r="http://schemas.openxmlformats.org/officeDocument/2006/relationships" xmlns:p="http://schemas.openxmlformats.org/presentationml/2006/main">
+  <p:cSld>
+    <p:spTree>
+      <p:nvGrpSpPr>
+        <p:cNvPr id="1" name=""/>
+        <p:cNvGrpSpPr/>
+        <p:nvPr/>
+      </p:nvGrpSpPr>
+      <p:grpSpPr>
+        <a:xfrm>
+          <a:off x="0" y="0"/>
+          <a:ext cx="0" cy="0"/>
+          <a:chOff x="0" y="0"/>
+          <a:chExt cx="0" cy="0"/>
+        </a:xfrm>
+      </p:grpSpPr>
+      <p:sp>
+        <p:nvSpPr>
+          <p:cNvPr id="2" name="Title 1"/>
+          <p:cNvSpPr>
+            <a:spLocks noGrp="1"/>
+          </p:cNvSpPr>
+          <p:nvPr>
+            <p:ph type="title"/>
+          </p:nvPr>
+        </p:nvSpPr>
+        <p:spPr>
+          <a:xfrm>
+            <a:off x="548640" y="0"/>
+            <a:ext cx="8596668" cy="1320800"/>
+          </a:xfrm>
+        </p:spPr>
+        <p:txBody>
+          <a:bodyPr/>
+          <a:lstStyle/>
+          <a:p>
+            <a:r>
+              <a:rPr lang="en-US" dirty="0"/>
+              <a:t>Application pipeline </a:t>
+            </a:r>
+            <a:r>
+              <a:rPr lang="en-US" dirty="0" err="1"/>
+              <a:t>stratagy</a:t>
+            </a:r>
+            <a:endParaRPr lang="en-US" dirty="0"/>
+          </a:p>
+        </p:txBody>
+      </p:sp>
+      <p:pic>
+        <p:nvPicPr>
+          <p:cNvPr id="4" name="Content Placeholder 3"/>
+          <p:cNvPicPr>
+            <a:picLocks noGrp="1" noChangeAspect="1"/>
+          </p:cNvPicPr>
+          <p:nvPr>
+            <p:ph idx="1"/>
+          </p:nvPr>
+        </p:nvPicPr>
+        <p:blipFill>
+          <a:blip r:embed="rId2"/>
+          <a:stretch>
+            <a:fillRect/>
+          </a:stretch>
+        </p:blipFill>
+        <p:spPr>
+          <a:xfrm>
+            <a:off x="296969" y="506438"/>
+            <a:ext cx="8348156" cy="6284804"/>
+          </a:xfrm>
+          <a:prstGeom prst="rect">
+            <a:avLst/>
+          </a:prstGeom>
+        </p:spPr>
+      </p:pic>
+    </p:spTree>
+    <p:extLst>
+      <p:ext uri="{BB962C8B-B14F-4D97-AF65-F5344CB8AC3E}">
+        <p14:creationId xmlns:p14="http://schemas.microsoft.com/office/powerpoint/2010/main" val="2713651185"/>
+      </p:ext>
+    </p:extLst>
+  </p:cSld>
+  <p:clrMapOvr>
+    <a:masterClrMapping/>
+  </p:clrMapOvr>
+</p:sld>
+</file>
+
+<file path=ppt/slides/slide14.xml><?xml version="1.0" encoding="utf-8"?>
+<p:sld xmlns:a="http://schemas.openxmlformats.org/drawingml/2006/main" xmlns:r="http://schemas.openxmlformats.org/officeDocument/2006/relationships" xmlns:p="http://schemas.openxmlformats.org/presentationml/2006/main">
+  <p:cSld>
+    <p:spTree>
+      <p:nvGrpSpPr>
+        <p:cNvPr id="1" name=""/>
+        <p:cNvGrpSpPr/>
+        <p:nvPr/>
+      </p:nvGrpSpPr>
+      <p:grpSpPr>
+        <a:xfrm>
+          <a:off x="0" y="0"/>
+          <a:ext cx="0" cy="0"/>
+          <a:chOff x="0" y="0"/>
+          <a:chExt cx="0" cy="0"/>
+        </a:xfrm>
+      </p:grpSpPr>
+      <p:sp>
+        <p:nvSpPr>
+          <p:cNvPr id="2" name="Title 1"/>
+          <p:cNvSpPr>
+            <a:spLocks noGrp="1"/>
+          </p:cNvSpPr>
+          <p:nvPr>
+            <p:ph type="title"/>
+          </p:nvPr>
+        </p:nvSpPr>
+        <p:spPr>
+          <a:xfrm>
+            <a:off x="0" y="0"/>
+            <a:ext cx="10031896" cy="1320800"/>
+          </a:xfrm>
+        </p:spPr>
+        <p:txBody>
+          <a:bodyPr/>
+          <a:lstStyle/>
+          <a:p>
+            <a:r>
+              <a:rPr lang="en-US" dirty="0" err="1"/>
+              <a:t>Aplication</a:t>
+            </a:r>
+            <a:r>
+              <a:rPr lang="en-US" dirty="0"/>
+              <a:t> Pipeline after applying </a:t>
+            </a:r>
+            <a:r>
+              <a:rPr lang="en-US" dirty="0" err="1"/>
+              <a:t>SLIPway</a:t>
+            </a:r>
+            <a:r>
+              <a:rPr lang="en-US" dirty="0"/>
+              <a:t> rules</a:t>
+            </a:r>
+          </a:p>
+        </p:txBody>
+      </p:sp>
+      <p:pic>
+        <p:nvPicPr>
+          <p:cNvPr id="4" name="Picture 3"/>
+          <p:cNvPicPr>
+            <a:picLocks noChangeAspect="1"/>
+          </p:cNvPicPr>
+          <p:nvPr/>
+        </p:nvPicPr>
+        <p:blipFill>
+          <a:blip r:embed="rId2"/>
+          <a:stretch>
+            <a:fillRect/>
+          </a:stretch>
+        </p:blipFill>
+        <p:spPr>
+          <a:xfrm>
+            <a:off x="668199" y="660400"/>
+            <a:ext cx="7190340" cy="6231628"/>
+          </a:xfrm>
+          <a:prstGeom prst="rect">
+            <a:avLst/>
+          </a:prstGeom>
+        </p:spPr>
+      </p:pic>
+    </p:spTree>
+    <p:extLst>
+      <p:ext uri="{BB962C8B-B14F-4D97-AF65-F5344CB8AC3E}">
+        <p14:creationId xmlns:p14="http://schemas.microsoft.com/office/powerpoint/2010/main" val="667406424"/>
+      </p:ext>
+    </p:extLst>
+  </p:cSld>
+  <p:clrMapOvr>
+    <a:masterClrMapping/>
+  </p:clrMapOvr>
+</p:sld>
+</file>
+
+<file path=ppt/slides/slide15.xml><?xml version="1.0" encoding="utf-8"?>
+<p:sld xmlns:a="http://schemas.openxmlformats.org/drawingml/2006/main" xmlns:r="http://schemas.openxmlformats.org/officeDocument/2006/relationships" xmlns:p="http://schemas.openxmlformats.org/presentationml/2006/main">
+  <p:cSld>
+    <p:spTree>
+      <p:nvGrpSpPr>
+        <p:cNvPr id="1" name=""/>
+        <p:cNvGrpSpPr/>
+        <p:nvPr/>
+      </p:nvGrpSpPr>
+      <p:grpSpPr>
+        <a:xfrm>
+          <a:off x="0" y="0"/>
+          <a:ext cx="0" cy="0"/>
+          <a:chOff x="0" y="0"/>
+          <a:chExt cx="0" cy="0"/>
+        </a:xfrm>
+      </p:grpSpPr>
+      <p:sp>
+        <p:nvSpPr>
+          <p:cNvPr id="2" name="Title 1"/>
+          <p:cNvSpPr>
+            <a:spLocks noGrp="1"/>
+          </p:cNvSpPr>
+          <p:nvPr>
+            <p:ph type="title"/>
+          </p:nvPr>
+        </p:nvSpPr>
+        <p:spPr>
+          <a:xfrm>
+            <a:off x="399038" y="0"/>
+            <a:ext cx="8596668" cy="662609"/>
+          </a:xfrm>
+        </p:spPr>
+        <p:txBody>
+          <a:bodyPr/>
+          <a:lstStyle/>
+          <a:p>
+            <a:r>
+              <a:rPr lang="en-US" dirty="0"/>
+              <a:t>Hours Spent Shipping Release</a:t>
+            </a:r>
+          </a:p>
+        </p:txBody>
+      </p:sp>
+      <p:pic>
+        <p:nvPicPr>
+          <p:cNvPr id="4" name="Picture 3"/>
+          <p:cNvPicPr>
+            <a:picLocks noChangeAspect="1"/>
+          </p:cNvPicPr>
+          <p:nvPr/>
+        </p:nvPicPr>
+        <p:blipFill>
+          <a:blip r:embed="rId2"/>
+          <a:stretch>
+            <a:fillRect/>
+          </a:stretch>
+        </p:blipFill>
+        <p:spPr>
+          <a:xfrm>
+            <a:off x="287199" y="662609"/>
+            <a:ext cx="8708507" cy="5709551"/>
+          </a:xfrm>
+          <a:prstGeom prst="rect">
+            <a:avLst/>
+          </a:prstGeom>
+        </p:spPr>
+      </p:pic>
+    </p:spTree>
+    <p:extLst>
+      <p:ext uri="{BB962C8B-B14F-4D97-AF65-F5344CB8AC3E}">
+        <p14:creationId xmlns:p14="http://schemas.microsoft.com/office/powerpoint/2010/main" val="410161766"/>
+      </p:ext>
+    </p:extLst>
+  </p:cSld>
+  <p:clrMapOvr>
+    <a:masterClrMapping/>
+  </p:clrMapOvr>
+</p:sld>
+</file>
+
+<file path=ppt/slides/slide16.xml><?xml version="1.0" encoding="utf-8"?>
+<p:sld xmlns:a="http://schemas.openxmlformats.org/drawingml/2006/main" xmlns:r="http://schemas.openxmlformats.org/officeDocument/2006/relationships" xmlns:p="http://schemas.openxmlformats.org/presentationml/2006/main">
+  <p:cSld>
+    <p:spTree>
+      <p:nvGrpSpPr>
+        <p:cNvPr id="1" name=""/>
+        <p:cNvGrpSpPr/>
+        <p:nvPr/>
+      </p:nvGrpSpPr>
+      <p:grpSpPr>
+        <a:xfrm>
+          <a:off x="0" y="0"/>
+          <a:ext cx="0" cy="0"/>
+          <a:chOff x="0" y="0"/>
+          <a:chExt cx="0" cy="0"/>
+        </a:xfrm>
+      </p:grpSpPr>
+      <p:sp>
+        <p:nvSpPr>
+          <p:cNvPr id="7" name="Title 6"/>
+          <p:cNvSpPr>
+            <a:spLocks noGrp="1"/>
+          </p:cNvSpPr>
+          <p:nvPr>
+            <p:ph type="title"/>
+          </p:nvPr>
+        </p:nvSpPr>
+        <p:spPr/>
+        <p:txBody>
+          <a:bodyPr>
+            <a:normAutofit fontScale="90000"/>
+          </a:bodyPr>
+          <a:lstStyle/>
+          <a:p>
+            <a:pPr algn="ctr"/>
+            <a:r>
+              <a:rPr lang="en-US" sz="6600" b="1" dirty="0"/>
+              <a:t>SUMMARY</a:t>
+            </a:r>
+            <a:br>
+              <a:rPr lang="en-US" sz="6600" b="1" dirty="0"/>
+            </a:br>
+            <a:endParaRPr lang="en-US" sz="6600" b="1" dirty="0"/>
+          </a:p>
+        </p:txBody>
+      </p:sp>
+      <p:sp>
+        <p:nvSpPr>
+          <p:cNvPr id="8" name="Content Placeholder 7"/>
+          <p:cNvSpPr>
+            <a:spLocks noGrp="1"/>
+          </p:cNvSpPr>
+          <p:nvPr>
+            <p:ph idx="1"/>
+          </p:nvPr>
+        </p:nvSpPr>
+        <p:spPr>
+          <a:xfrm>
+            <a:off x="838200" y="1825624"/>
+            <a:ext cx="10515600" cy="4842461"/>
+          </a:xfrm>
+        </p:spPr>
+        <p:txBody>
+          <a:bodyPr>
+            <a:normAutofit fontScale="92500" lnSpcReduction="10000"/>
+          </a:bodyPr>
+          <a:lstStyle/>
+          <a:p>
+            <a:pPr>
+              <a:buFont typeface="Wingdings" panose="05000000000000000000" pitchFamily="2" charset="2"/>
+              <a:buChar char="§"/>
+            </a:pPr>
+            <a:r>
+              <a:rPr lang="en-US" dirty="0"/>
+              <a:t>SLIP way came into picture by defining the right thing ,proper deployment standards and adaptation through compliance testing.</a:t>
+            </a:r>
+          </a:p>
+          <a:p>
+            <a:pPr>
+              <a:buFont typeface="Wingdings" panose="05000000000000000000" pitchFamily="2" charset="2"/>
+              <a:buChar char="§"/>
+            </a:pPr>
+            <a:r>
+              <a:rPr lang="en-US" dirty="0"/>
+              <a:t>Deployment automation  also enforced for SLIP way.</a:t>
+            </a:r>
+          </a:p>
+          <a:p>
+            <a:pPr>
+              <a:buFont typeface="Wingdings" panose="05000000000000000000" pitchFamily="2" charset="2"/>
+              <a:buChar char="§"/>
+            </a:pPr>
+            <a:r>
+              <a:rPr lang="en-US" dirty="0"/>
+              <a:t>SLIP way paved path for fast feedback, small batch sizes, and independent releases, emphasizing increased team autonomy.</a:t>
+            </a:r>
+          </a:p>
+          <a:p>
+            <a:pPr>
+              <a:buFont typeface="Wingdings" panose="05000000000000000000" pitchFamily="2" charset="2"/>
+              <a:buChar char="§"/>
+            </a:pPr>
+            <a:endParaRPr lang="en-US" dirty="0"/>
+          </a:p>
+          <a:p>
+            <a:pPr>
+              <a:buFont typeface="Wingdings" panose="05000000000000000000" pitchFamily="2" charset="2"/>
+              <a:buChar char="§"/>
+            </a:pPr>
+            <a:r>
+              <a:rPr lang="en-US" dirty="0"/>
+              <a:t>Below picture shows SLIP way performance.</a:t>
+            </a:r>
+          </a:p>
+          <a:p>
+            <a:pPr marL="0" indent="0">
+              <a:buNone/>
+            </a:pPr>
+            <a:r>
+              <a:rPr lang="en-US" sz="2600" dirty="0"/>
+              <a:t>  Releases through SLIP catered needs with average cycle time of 1.1 days per          release which is </a:t>
+            </a:r>
+          </a:p>
+          <a:p>
+            <a:pPr lvl="1">
+              <a:buFont typeface="Wingdings" panose="05000000000000000000" pitchFamily="2" charset="2"/>
+              <a:buChar char="ü"/>
+            </a:pPr>
+            <a:r>
+              <a:rPr lang="en-US" sz="2600" dirty="0"/>
+              <a:t>          95 percent reduction in person-hours spent releasing, </a:t>
+            </a:r>
+          </a:p>
+          <a:p>
+            <a:pPr lvl="1">
+              <a:buFont typeface="Wingdings" panose="05000000000000000000" pitchFamily="2" charset="2"/>
+              <a:buChar char="ü"/>
+            </a:pPr>
+            <a:r>
+              <a:rPr lang="en-US" sz="2600" dirty="0"/>
+              <a:t>          86 percent reduction in release cycle time </a:t>
+            </a:r>
+          </a:p>
+          <a:p>
+            <a:pPr lvl="1">
+              <a:buFont typeface="Wingdings" panose="05000000000000000000" pitchFamily="2" charset="2"/>
+              <a:buChar char="ü"/>
+            </a:pPr>
+            <a:r>
+              <a:rPr lang="en-US" sz="2600" dirty="0"/>
+              <a:t>          2.6-fold increase in release count per month</a:t>
+            </a:r>
+          </a:p>
+          <a:p>
+            <a:pPr marL="0" indent="0">
+              <a:buNone/>
+            </a:pPr>
+            <a:r>
+              <a:rPr lang="en-US" sz="2600" dirty="0"/>
+              <a:t>    </a:t>
+            </a:r>
+          </a:p>
+        </p:txBody>
+      </p:sp>
+    </p:spTree>
+    <p:extLst>
+      <p:ext uri="{BB962C8B-B14F-4D97-AF65-F5344CB8AC3E}">
+        <p14:creationId xmlns:p14="http://schemas.microsoft.com/office/powerpoint/2010/main" val="1654156482"/>
+      </p:ext>
+    </p:extLst>
+  </p:cSld>
+  <p:clrMapOvr>
+    <a:masterClrMapping/>
+  </p:clrMapOvr>
+</p:sld>
+</file>
+
+<file path=ppt/slides/slide17.xml><?xml version="1.0" encoding="utf-8"?>
+<p:sld xmlns:a="http://schemas.openxmlformats.org/drawingml/2006/main" xmlns:r="http://schemas.openxmlformats.org/officeDocument/2006/relationships" xmlns:p="http://schemas.openxmlformats.org/presentationml/2006/main">
+  <p:cSld>
+    <p:spTree>
+      <p:nvGrpSpPr>
+        <p:cNvPr id="1" name=""/>
+        <p:cNvGrpSpPr/>
+        <p:nvPr/>
+      </p:nvGrpSpPr>
+      <p:grpSpPr>
+        <a:xfrm>
+          <a:off x="0" y="0"/>
+          <a:ext cx="0" cy="0"/>
+          <a:chOff x="0" y="0"/>
+          <a:chExt cx="0" cy="0"/>
+        </a:xfrm>
+      </p:grpSpPr>
+      <p:pic>
+        <p:nvPicPr>
+          <p:cNvPr id="4" name="Picture 3"/>
+          <p:cNvPicPr>
+            <a:picLocks noChangeAspect="1"/>
+          </p:cNvPicPr>
+          <p:nvPr/>
+        </p:nvPicPr>
+        <p:blipFill>
+          <a:blip r:embed="rId3"/>
+          <a:stretch>
+            <a:fillRect/>
+          </a:stretch>
+        </p:blipFill>
+        <p:spPr>
+          <a:xfrm>
+            <a:off x="1517272" y="560466"/>
+            <a:ext cx="8187397" cy="4724193"/>
+          </a:xfrm>
+          <a:prstGeom prst="rect">
+            <a:avLst/>
+          </a:prstGeom>
+        </p:spPr>
+      </p:pic>
+      <p:sp>
+        <p:nvSpPr>
+          <p:cNvPr id="6" name="Rectangle 5"/>
+          <p:cNvSpPr/>
+          <p:nvPr/>
+        </p:nvSpPr>
+        <p:spPr>
+          <a:xfrm>
+            <a:off x="1517271" y="5666155"/>
+            <a:ext cx="9131972" cy="707886"/>
+          </a:xfrm>
+          <a:prstGeom prst="rect">
+            <a:avLst/>
+          </a:prstGeom>
+        </p:spPr>
+        <p:txBody>
+          <a:bodyPr wrap="square">
+            <a:spAutoFit/>
+          </a:bodyPr>
+          <a:lstStyle/>
+          <a:p>
+            <a:r>
+              <a:rPr lang="en-US" sz="2000" dirty="0"/>
+              <a:t>Rates of releases during 2013 and 2014 reduced customer-impacting problem from 15 to 17 after release of CD.</a:t>
+            </a:r>
+          </a:p>
+        </p:txBody>
+      </p:sp>
+    </p:spTree>
+    <p:extLst>
+      <p:ext uri="{BB962C8B-B14F-4D97-AF65-F5344CB8AC3E}">
+        <p14:creationId xmlns:p14="http://schemas.microsoft.com/office/powerpoint/2010/main" val="905330992"/>
+      </p:ext>
+    </p:extLst>
+  </p:cSld>
+  <p:clrMapOvr>
+    <a:masterClrMapping/>
+  </p:clrMapOvr>
+</p:sld>
+</file>
+
+<file path=ppt/slides/slide18.xml><?xml version="1.0" encoding="utf-8"?>
+<p:sld xmlns:a="http://schemas.openxmlformats.org/drawingml/2006/main" xmlns:r="http://schemas.openxmlformats.org/officeDocument/2006/relationships" xmlns:p="http://schemas.openxmlformats.org/presentationml/2006/main">
+  <p:cSld>
+    <p:spTree>
+      <p:nvGrpSpPr>
+        <p:cNvPr id="1" name=""/>
+        <p:cNvGrpSpPr/>
+        <p:nvPr/>
+      </p:nvGrpSpPr>
+      <p:grpSpPr>
+        <a:xfrm>
+          <a:off x="0" y="0"/>
+          <a:ext cx="0" cy="0"/>
+          <a:chOff x="0" y="0"/>
+          <a:chExt cx="0" cy="0"/>
+        </a:xfrm>
+      </p:grpSpPr>
+      <p:sp>
+        <p:nvSpPr>
+          <p:cNvPr id="2" name="Rectangle 1"/>
+          <p:cNvSpPr/>
+          <p:nvPr/>
+        </p:nvSpPr>
+        <p:spPr>
+          <a:xfrm>
+            <a:off x="1613094" y="1481910"/>
+            <a:ext cx="9162757" cy="6924973"/>
+          </a:xfrm>
+          <a:prstGeom prst="rect">
+            <a:avLst/>
+          </a:prstGeom>
+        </p:spPr>
+        <p:txBody>
+          <a:bodyPr wrap="square">
+            <a:spAutoFit/>
+          </a:bodyPr>
+          <a:lstStyle/>
+          <a:p>
+            <a:pPr lvl="0" defTabSz="914400"/>
+            <a:r>
+              <a:rPr lang="en-US" sz="2400" b="1" dirty="0">
+                <a:solidFill>
+                  <a:prstClr val="black"/>
+                </a:solidFill>
+              </a:rPr>
+              <a:t>CONTINUOS DEVELOPMENT</a:t>
+            </a:r>
+          </a:p>
+          <a:p>
+            <a:pPr lvl="0" defTabSz="914400"/>
+            <a:endParaRPr lang="en-US" sz="2400" b="1" dirty="0">
+              <a:solidFill>
+                <a:prstClr val="black"/>
+              </a:solidFill>
+            </a:endParaRPr>
+          </a:p>
+          <a:p>
+            <a:pPr marL="342900" lvl="0" indent="-342900" defTabSz="914400">
+              <a:buFont typeface="Wingdings" panose="05000000000000000000" pitchFamily="2" charset="2"/>
+              <a:buChar char="§"/>
+            </a:pPr>
+            <a:r>
+              <a:rPr lang="en-US" sz="2000" dirty="0"/>
+              <a:t>With Automated testing and deployment gates, code is released with no </a:t>
+            </a:r>
+            <a:r>
+              <a:rPr lang="en-US" sz="2000" dirty="0" err="1"/>
+              <a:t>manul</a:t>
+            </a:r>
+            <a:r>
+              <a:rPr lang="en-US" sz="2000" dirty="0"/>
+              <a:t> </a:t>
+            </a:r>
+            <a:r>
+              <a:rPr lang="en-US" sz="2000" dirty="0" err="1"/>
+              <a:t>inteventions</a:t>
+            </a:r>
+            <a:r>
+              <a:rPr lang="en-US" sz="2000" dirty="0"/>
+              <a:t>.</a:t>
+            </a:r>
+          </a:p>
+          <a:p>
+            <a:pPr marL="342900" lvl="0" indent="-342900" defTabSz="914400">
+              <a:buFont typeface="Wingdings" panose="05000000000000000000" pitchFamily="2" charset="2"/>
+              <a:buChar char="§"/>
+            </a:pPr>
+            <a:r>
+              <a:rPr lang="en-US" sz="2000" dirty="0"/>
+              <a:t>This is achieved by elevating the permissions of hardened TeamCity agents and building bots.</a:t>
+            </a:r>
+          </a:p>
+          <a:p>
+            <a:pPr lvl="0" defTabSz="914400"/>
+            <a:endParaRPr lang="en-US" sz="2400" dirty="0"/>
+          </a:p>
+          <a:p>
+            <a:pPr lvl="0" defTabSz="914400"/>
+            <a:r>
+              <a:rPr lang="en-US" sz="2400" b="1" dirty="0"/>
+              <a:t>COSTS</a:t>
+            </a:r>
+          </a:p>
+          <a:p>
+            <a:pPr marL="342900" lvl="0" indent="-342900" defTabSz="914400">
+              <a:buFont typeface="Wingdings" panose="05000000000000000000" pitchFamily="2" charset="2"/>
+              <a:buChar char="§"/>
+            </a:pPr>
+            <a:r>
+              <a:rPr lang="en-US" sz="2000" dirty="0"/>
+              <a:t> Rolling Upgrade, </a:t>
+            </a:r>
+            <a:r>
+              <a:rPr lang="en-US" sz="2000" dirty="0" err="1"/>
+              <a:t>SLIPway</a:t>
+            </a:r>
+            <a:r>
+              <a:rPr lang="en-US" sz="2000" dirty="0"/>
+              <a:t>, and continuous deployment required no extra investment in physical infrastructure.</a:t>
+            </a:r>
+          </a:p>
+          <a:p>
+            <a:pPr marL="342900" lvl="0" indent="-342900" defTabSz="914400">
+              <a:buFont typeface="Wingdings" panose="05000000000000000000" pitchFamily="2" charset="2"/>
+              <a:buChar char="§"/>
+            </a:pPr>
+            <a:r>
+              <a:rPr lang="en-US" sz="2000" dirty="0"/>
+              <a:t>It requires higher head count and hardware investment with CD.</a:t>
+            </a:r>
+          </a:p>
+          <a:p>
+            <a:pPr marL="342900" lvl="0" indent="-342900" defTabSz="914400">
+              <a:buFont typeface="Wingdings" panose="05000000000000000000" pitchFamily="2" charset="2"/>
+              <a:buChar char="§"/>
+            </a:pPr>
+            <a:endParaRPr lang="en-US" sz="2000" dirty="0"/>
+          </a:p>
+          <a:p>
+            <a:pPr marL="342900" lvl="0" indent="-342900" defTabSz="914400">
+              <a:buFont typeface="Wingdings" panose="05000000000000000000" pitchFamily="2" charset="2"/>
+              <a:buChar char="§"/>
+            </a:pPr>
+            <a:endParaRPr lang="en-US" sz="2000" dirty="0"/>
+          </a:p>
+          <a:p>
+            <a:pPr marL="342900" lvl="0" indent="-342900" defTabSz="914400">
+              <a:buFont typeface="Wingdings" panose="05000000000000000000" pitchFamily="2" charset="2"/>
+              <a:buChar char="§"/>
+            </a:pPr>
+            <a:endParaRPr lang="en-US" sz="2000" dirty="0"/>
+          </a:p>
+          <a:p>
+            <a:pPr marL="342900" lvl="0" indent="-342900" defTabSz="914400">
+              <a:buFont typeface="Wingdings" panose="05000000000000000000" pitchFamily="2" charset="2"/>
+              <a:buChar char="§"/>
+            </a:pPr>
+            <a:endParaRPr lang="en-US" sz="2000" b="1" dirty="0"/>
+          </a:p>
+          <a:p>
+            <a:pPr marL="342900" lvl="0" indent="-342900" defTabSz="914400">
+              <a:buFont typeface="Wingdings" panose="05000000000000000000" pitchFamily="2" charset="2"/>
+              <a:buChar char="§"/>
+            </a:pPr>
+            <a:endParaRPr lang="en-US" sz="2000" b="1" dirty="0"/>
+          </a:p>
+          <a:p>
+            <a:pPr marL="342900" lvl="0" indent="-342900" defTabSz="914400">
+              <a:buFont typeface="Wingdings" panose="05000000000000000000" pitchFamily="2" charset="2"/>
+              <a:buChar char="§"/>
+            </a:pPr>
+            <a:endParaRPr lang="en-US" sz="2000" b="1" dirty="0"/>
+          </a:p>
+          <a:p>
+            <a:pPr lvl="0" defTabSz="914400"/>
+            <a:endParaRPr lang="en-US" sz="2400" b="1" dirty="0"/>
+          </a:p>
+          <a:p>
+            <a:pPr lvl="0" defTabSz="914400"/>
+            <a:endParaRPr lang="en-US" sz="2400" b="1" dirty="0"/>
+          </a:p>
+          <a:p>
+            <a:pPr lvl="0" defTabSz="914400"/>
+            <a:endParaRPr lang="en-US" sz="2000" dirty="0"/>
+          </a:p>
+          <a:p>
+            <a:pPr lvl="0" defTabSz="914400"/>
+            <a:endParaRPr lang="en-US" sz="2000" b="1" dirty="0">
+              <a:solidFill>
+                <a:prstClr val="black"/>
+              </a:solidFill>
+            </a:endParaRPr>
+          </a:p>
+        </p:txBody>
+      </p:sp>
+    </p:spTree>
+    <p:extLst>
+      <p:ext uri="{BB962C8B-B14F-4D97-AF65-F5344CB8AC3E}">
+        <p14:creationId xmlns:p14="http://schemas.microsoft.com/office/powerpoint/2010/main" val="2827934797"/>
+      </p:ext>
+    </p:extLst>
+  </p:cSld>
+  <p:clrMapOvr>
+    <a:masterClrMapping/>
+  </p:clrMapOvr>
+</p:sld>
+</file>
+
+<file path=ppt/slides/slide19.xml><?xml version="1.0" encoding="utf-8"?>
+<p:sld xmlns:a="http://schemas.openxmlformats.org/drawingml/2006/main" xmlns:r="http://schemas.openxmlformats.org/officeDocument/2006/relationships" xmlns:p="http://schemas.openxmlformats.org/presentationml/2006/main">
+  <p:cSld>
+    <p:spTree>
+      <p:nvGrpSpPr>
+        <p:cNvPr id="1" name=""/>
+        <p:cNvGrpSpPr/>
+        <p:nvPr/>
+      </p:nvGrpSpPr>
+      <p:grpSpPr>
+        <a:xfrm>
+          <a:off x="0" y="0"/>
+          <a:ext cx="0" cy="0"/>
+          <a:chOff x="0" y="0"/>
+          <a:chExt cx="0" cy="0"/>
+        </a:xfrm>
+      </p:grpSpPr>
+      <p:sp>
+        <p:nvSpPr>
+          <p:cNvPr id="3" name="Rectangle 2"/>
+          <p:cNvSpPr/>
+          <p:nvPr/>
+        </p:nvSpPr>
+        <p:spPr>
+          <a:xfrm>
+            <a:off x="400414" y="654044"/>
+            <a:ext cx="11072095" cy="7232749"/>
+          </a:xfrm>
+          <a:prstGeom prst="rect">
+            <a:avLst/>
+          </a:prstGeom>
+        </p:spPr>
+        <p:txBody>
+          <a:bodyPr wrap="square">
+            <a:spAutoFit/>
+          </a:bodyPr>
+          <a:lstStyle/>
+          <a:p>
+            <a:endParaRPr lang="en-US" sz="2400" b="1" dirty="0"/>
+          </a:p>
+          <a:p>
+            <a:pPr marL="342900" indent="-342900">
+              <a:buFont typeface="Wingdings" panose="05000000000000000000" pitchFamily="2" charset="2"/>
+              <a:buChar char="§"/>
+            </a:pPr>
+            <a:r>
+              <a:rPr lang="en-US" sz="2000" b="1" dirty="0"/>
+              <a:t>Warranty and Adoption Periods</a:t>
+            </a:r>
+          </a:p>
+          <a:p>
+            <a:r>
+              <a:rPr lang="en-US" sz="2000" dirty="0"/>
+              <a:t>       A two week period was introduced to match out between consistent standards and    	meeting </a:t>
+            </a:r>
+          </a:p>
+          <a:p>
+            <a:r>
+              <a:rPr lang="en-US" sz="2000" b="1" dirty="0"/>
+              <a:t>       </a:t>
+            </a:r>
+            <a:r>
+              <a:rPr lang="en-US" sz="2000" dirty="0"/>
+              <a:t>real-world conditions.</a:t>
+            </a:r>
+          </a:p>
+          <a:p>
+            <a:r>
+              <a:rPr lang="en-US" sz="2000" b="1" dirty="0"/>
+              <a:t>       </a:t>
+            </a:r>
+            <a:r>
+              <a:rPr lang="en-US" sz="2000" dirty="0"/>
+              <a:t>Any revisions could be surfaced during this period  before finalizing standards.</a:t>
+            </a:r>
+          </a:p>
+          <a:p>
+            <a:r>
+              <a:rPr lang="en-US" sz="2000" dirty="0"/>
+              <a:t>       For SLIP way , a two-week adoption period before the new standards version after two-	week period.</a:t>
+            </a:r>
+          </a:p>
+          <a:p>
+            <a:endParaRPr lang="en-US" sz="2000" b="1" dirty="0"/>
+          </a:p>
+          <a:p>
+            <a:pPr marL="342900" indent="-342900">
+              <a:buFont typeface="Wingdings" panose="05000000000000000000" pitchFamily="2" charset="2"/>
+              <a:buChar char="§"/>
+            </a:pPr>
+            <a:r>
+              <a:rPr lang="en-US" sz="2000" b="1" dirty="0"/>
+              <a:t>MIGRATION NOTES</a:t>
+            </a:r>
+          </a:p>
+          <a:p>
+            <a:r>
+              <a:rPr lang="en-US" sz="2000" b="1" dirty="0"/>
+              <a:t>      </a:t>
+            </a:r>
+            <a:r>
+              <a:rPr lang="en-US" sz="2000" dirty="0"/>
+              <a:t>Since all developers are not familiar with standards development process and teams 	applications, </a:t>
+            </a:r>
+          </a:p>
+          <a:p>
+            <a:r>
+              <a:rPr lang="en-US" sz="2000" b="1" dirty="0"/>
+              <a:t>      </a:t>
+            </a:r>
+            <a:r>
+              <a:rPr lang="en-US" sz="2000" dirty="0"/>
+              <a:t>migration notes were provided differentiates previous and steps for updated versions.</a:t>
+            </a:r>
+          </a:p>
+          <a:p>
+            <a:pPr marL="342900" indent="-342900">
+              <a:buFont typeface="Wingdings" panose="05000000000000000000" pitchFamily="2" charset="2"/>
+              <a:buChar char="§"/>
+            </a:pPr>
+            <a:endParaRPr lang="en-US" sz="2000" dirty="0"/>
+          </a:p>
+          <a:p>
+            <a:pPr marL="342900" indent="-342900">
+              <a:buFont typeface="Wingdings" panose="05000000000000000000" pitchFamily="2" charset="2"/>
+              <a:buChar char="§"/>
+            </a:pPr>
+            <a:r>
+              <a:rPr lang="en-US" sz="2000" b="1" dirty="0"/>
+              <a:t>SEMANTIC VERSIONING</a:t>
+            </a:r>
+          </a:p>
+          <a:p>
+            <a:r>
+              <a:rPr lang="en-US" sz="2000" b="1" dirty="0"/>
+              <a:t>      </a:t>
+            </a:r>
+            <a:r>
+              <a:rPr lang="en-US" sz="2000" dirty="0"/>
+              <a:t>To avoid developing team spend more days on updating from previous </a:t>
+            </a:r>
+            <a:r>
+              <a:rPr lang="en-US" sz="2000" dirty="0" err="1"/>
+              <a:t>verisons</a:t>
+            </a:r>
+            <a:r>
+              <a:rPr lang="en-US" sz="2000" dirty="0"/>
+              <a:t> to new 	versions which </a:t>
+            </a:r>
+          </a:p>
+          <a:p>
+            <a:r>
+              <a:rPr lang="en-US" sz="2000" b="1" dirty="0"/>
+              <a:t>      </a:t>
+            </a:r>
+            <a:r>
+              <a:rPr lang="en-US" sz="2000" dirty="0"/>
+              <a:t>includes data-based versioning with standards- related changes as backward- compatible 	minor </a:t>
+            </a:r>
+          </a:p>
+          <a:p>
+            <a:r>
+              <a:rPr lang="en-US" sz="2000" b="1" dirty="0"/>
+              <a:t>      </a:t>
+            </a:r>
+            <a:r>
+              <a:rPr lang="en-US" sz="2000" dirty="0"/>
+              <a:t>revisions without forcing to adopt new changes.</a:t>
+            </a:r>
+          </a:p>
+          <a:p>
+            <a:endParaRPr lang="en-US" sz="2000" b="1" dirty="0"/>
+          </a:p>
+          <a:p>
+            <a:endParaRPr lang="en-US" sz="2000" b="1" dirty="0"/>
+          </a:p>
+          <a:p>
+            <a:endParaRPr lang="en-US" sz="2000" b="1" dirty="0"/>
+          </a:p>
+        </p:txBody>
+      </p:sp>
+      <p:sp>
+        <p:nvSpPr>
+          <p:cNvPr id="4" name="Title 6"/>
+          <p:cNvSpPr txBox="1">
+            <a:spLocks/>
+          </p:cNvSpPr>
+          <p:nvPr/>
+        </p:nvSpPr>
+        <p:spPr>
+          <a:xfrm>
+            <a:off x="-2198388" y="284712"/>
+            <a:ext cx="8596668" cy="1320800"/>
+          </a:xfrm>
+          <a:prstGeom prst="rect">
+            <a:avLst/>
+          </a:prstGeom>
+        </p:spPr>
+        <p:txBody>
+          <a:bodyPr>
+            <a:normAutofit fontScale="45000" lnSpcReduction="20000"/>
+          </a:bodyPr>
+          <a:lstStyle>
+            <a:lvl1pPr algn="l" defTabSz="457200" rtl="0" eaLnBrk="1" latinLnBrk="0" hangingPunct="1">
+              <a:spcBef>
+                <a:spcPct val="0"/>
+              </a:spcBef>
+              <a:buNone/>
+              <a:defRPr sz="3600" kern="1200">
+                <a:solidFill>
+                  <a:schemeClr val="accent1"/>
+                </a:solidFill>
+                <a:latin typeface="+mj-lt"/>
+                <a:ea typeface="+mj-ea"/>
+                <a:cs typeface="+mj-cs"/>
+              </a:defRPr>
+            </a:lvl1pPr>
+            <a:lvl2pPr eaLnBrk="1" hangingPunct="1">
+              <a:defRPr>
+                <a:solidFill>
+                  <a:schemeClr val="tx2"/>
+                </a:solidFill>
+              </a:defRPr>
+            </a:lvl2pPr>
+            <a:lvl3pPr eaLnBrk="1" hangingPunct="1">
+              <a:defRPr>
+                <a:solidFill>
+                  <a:schemeClr val="tx2"/>
+                </a:solidFill>
+              </a:defRPr>
+            </a:lvl3pPr>
+            <a:lvl4pPr eaLnBrk="1" hangingPunct="1">
+              <a:defRPr>
+                <a:solidFill>
+                  <a:schemeClr val="tx2"/>
+                </a:solidFill>
+              </a:defRPr>
+            </a:lvl4pPr>
+            <a:lvl5pPr eaLnBrk="1" hangingPunct="1">
+              <a:defRPr>
+                <a:solidFill>
+                  <a:schemeClr val="tx2"/>
+                </a:solidFill>
+              </a:defRPr>
+            </a:lvl5pPr>
+            <a:lvl6pPr eaLnBrk="1" hangingPunct="1">
+              <a:defRPr>
+                <a:solidFill>
+                  <a:schemeClr val="tx2"/>
+                </a:solidFill>
+              </a:defRPr>
+            </a:lvl6pPr>
+            <a:lvl7pPr eaLnBrk="1" hangingPunct="1">
+              <a:defRPr>
+                <a:solidFill>
+                  <a:schemeClr val="tx2"/>
+                </a:solidFill>
+              </a:defRPr>
+            </a:lvl7pPr>
+            <a:lvl8pPr eaLnBrk="1" hangingPunct="1">
+              <a:defRPr>
+                <a:solidFill>
+                  <a:schemeClr val="tx2"/>
+                </a:solidFill>
+              </a:defRPr>
+            </a:lvl8pPr>
+            <a:lvl9pPr eaLnBrk="1" hangingPunct="1">
+              <a:defRPr>
+                <a:solidFill>
+                  <a:schemeClr val="tx2"/>
+                </a:solidFill>
+              </a:defRPr>
+            </a:lvl9pPr>
+          </a:lstStyle>
+          <a:p>
+            <a:pPr algn="ctr"/>
+            <a:r>
+              <a:rPr lang="en-US" sz="6600" b="1" dirty="0"/>
+              <a:t>LESSONS LEARNED</a:t>
+            </a:r>
+            <a:endParaRPr lang="en-US" sz="6600" dirty="0"/>
+          </a:p>
+          <a:p>
+            <a:pPr algn="ctr"/>
+            <a:br>
+              <a:rPr lang="en-US" sz="6600" b="1" dirty="0"/>
+            </a:br>
+            <a:endParaRPr lang="en-US" sz="6600" b="1" dirty="0"/>
+          </a:p>
+        </p:txBody>
+      </p:sp>
+    </p:spTree>
+    <p:extLst>
+      <p:ext uri="{BB962C8B-B14F-4D97-AF65-F5344CB8AC3E}">
+        <p14:creationId xmlns:p14="http://schemas.microsoft.com/office/powerpoint/2010/main" val="1578339227"/>
       </p:ext>
     </p:extLst>
   </p:cSld>
@@ -6086,7 +9029,6 @@
               <a:rPr lang="en-US" b="1" dirty="0"/>
               <a:t>DevOps?</a:t>
             </a:r>
-            <a:endParaRPr lang="en-US" b="1" dirty="0"/>
           </a:p>
         </p:txBody>
       </p:sp>
@@ -6144,10 +9086,6 @@
               </a:rPr>
               <a:t>emphasizes the collaboration and communication of both Software Developers and other information-Technology (IT) professionals while automating the process of software delivery and infrastructure changes.</a:t>
             </a:r>
-            <a:endParaRPr lang="en-US" sz="2000" dirty="0">
-              <a:latin typeface="Times New Roman" panose="02020603050405020304" pitchFamily="18" charset="0"/>
-              <a:cs typeface="Times New Roman" panose="02020603050405020304" pitchFamily="18" charset="0"/>
-            </a:endParaRPr>
           </a:p>
         </p:txBody>
       </p:sp>
@@ -6205,6 +9143,273 @@
 </p:sld>
 </file>
 
+<file path=ppt/slides/slide20.xml><?xml version="1.0" encoding="utf-8"?>
+<p:sld xmlns:a="http://schemas.openxmlformats.org/drawingml/2006/main" xmlns:r="http://schemas.openxmlformats.org/officeDocument/2006/relationships" xmlns:p="http://schemas.openxmlformats.org/presentationml/2006/main">
+  <p:cSld>
+    <p:spTree>
+      <p:nvGrpSpPr>
+        <p:cNvPr id="1" name=""/>
+        <p:cNvGrpSpPr/>
+        <p:nvPr/>
+      </p:nvGrpSpPr>
+      <p:grpSpPr>
+        <a:xfrm>
+          <a:off x="0" y="0"/>
+          <a:ext cx="0" cy="0"/>
+          <a:chOff x="0" y="0"/>
+          <a:chExt cx="0" cy="0"/>
+        </a:xfrm>
+      </p:grpSpPr>
+      <p:sp>
+        <p:nvSpPr>
+          <p:cNvPr id="2" name="Rectangle 1"/>
+          <p:cNvSpPr/>
+          <p:nvPr/>
+        </p:nvSpPr>
+        <p:spPr>
+          <a:xfrm>
+            <a:off x="380564" y="487025"/>
+            <a:ext cx="10079480" cy="6370975"/>
+          </a:xfrm>
+          <a:prstGeom prst="rect">
+            <a:avLst/>
+          </a:prstGeom>
+        </p:spPr>
+        <p:txBody>
+          <a:bodyPr wrap="square">
+            <a:spAutoFit/>
+          </a:bodyPr>
+          <a:lstStyle/>
+          <a:p>
+            <a:endParaRPr lang="en-US" sz="2400" b="1" dirty="0"/>
+          </a:p>
+          <a:p>
+            <a:endParaRPr lang="en-US" sz="2400" b="1" dirty="0"/>
+          </a:p>
+          <a:p>
+            <a:pPr marL="342900" indent="-342900">
+              <a:buFont typeface="Wingdings" panose="05000000000000000000" pitchFamily="2" charset="2"/>
+              <a:buChar char="§"/>
+            </a:pPr>
+            <a:r>
+              <a:rPr lang="en-US" sz="2400" dirty="0"/>
+              <a:t>Aligning the Confluence pages, Fabric test suites, reference implementation, and </a:t>
+            </a:r>
+            <a:r>
+              <a:rPr lang="en-US" sz="2400" dirty="0" err="1"/>
+              <a:t>confi</a:t>
+            </a:r>
+            <a:r>
+              <a:rPr lang="en-US" sz="2400" dirty="0"/>
+              <a:t>- </a:t>
+            </a:r>
+            <a:r>
+              <a:rPr lang="en-US" sz="2400" dirty="0" err="1"/>
+              <a:t>guration</a:t>
+            </a:r>
+            <a:r>
+              <a:rPr lang="en-US" sz="2400" dirty="0"/>
+              <a:t> management code bases while smoothing the adoption process required </a:t>
+            </a:r>
+            <a:r>
+              <a:rPr lang="en-US" sz="2400" dirty="0" err="1"/>
+              <a:t>signifi</a:t>
+            </a:r>
+            <a:r>
+              <a:rPr lang="en-US" sz="2400" dirty="0"/>
+              <a:t> cant ongoing coordination. </a:t>
+            </a:r>
+          </a:p>
+          <a:p>
+            <a:pPr marL="342900" indent="-342900">
+              <a:buFont typeface="Wingdings" panose="05000000000000000000" pitchFamily="2" charset="2"/>
+              <a:buChar char="§"/>
+            </a:pPr>
+            <a:r>
+              <a:rPr lang="en-US" sz="2400" dirty="0"/>
+              <a:t>Not limiting to automation of testing and deployment of the standards , but also </a:t>
+            </a:r>
+            <a:r>
+              <a:rPr lang="en-US" sz="2400" dirty="0" err="1"/>
+              <a:t>standars</a:t>
+            </a:r>
+            <a:r>
+              <a:rPr lang="en-US" sz="2400" dirty="0"/>
+              <a:t> themselves.</a:t>
+            </a:r>
+          </a:p>
+          <a:p>
+            <a:pPr marL="342900" indent="-342900">
+              <a:buFont typeface="Wingdings" panose="05000000000000000000" pitchFamily="2" charset="2"/>
+              <a:buChar char="§"/>
+            </a:pPr>
+            <a:r>
+              <a:rPr lang="en-US" sz="2400" dirty="0"/>
+              <a:t>It should be executable documentation in the form of infrastructure as code.</a:t>
+            </a:r>
+          </a:p>
+          <a:p>
+            <a:pPr marL="342900" indent="-342900">
+              <a:buFont typeface="Wingdings" panose="05000000000000000000" pitchFamily="2" charset="2"/>
+              <a:buChar char="§"/>
+            </a:pPr>
+            <a:r>
+              <a:rPr lang="en-US" sz="2400" dirty="0"/>
+              <a:t>Replacing standards documents with a standardized microservices platform.</a:t>
+            </a:r>
+          </a:p>
+          <a:p>
+            <a:pPr marL="342900" indent="-342900">
+              <a:buFont typeface="Wingdings" panose="05000000000000000000" pitchFamily="2" charset="2"/>
+              <a:buChar char="§"/>
+            </a:pPr>
+            <a:r>
+              <a:rPr lang="en-US" sz="2400" dirty="0"/>
+              <a:t>Using products such as Mesosphere DCOS is one of remaining challenge to addressed.</a:t>
+            </a:r>
+          </a:p>
+          <a:p>
+            <a:pPr marL="342900" indent="-342900">
+              <a:buFont typeface="Wingdings" panose="05000000000000000000" pitchFamily="2" charset="2"/>
+              <a:buChar char="§"/>
+            </a:pPr>
+            <a:r>
+              <a:rPr lang="en-US" sz="2400" dirty="0"/>
+              <a:t>Managing database schema upgrades is of utmost priority challenge to be addressed.</a:t>
+            </a:r>
+          </a:p>
+          <a:p>
+            <a:pPr marL="342900" indent="-342900">
+              <a:buFont typeface="Wingdings" panose="05000000000000000000" pitchFamily="2" charset="2"/>
+              <a:buChar char="§"/>
+            </a:pPr>
+            <a:endParaRPr lang="en-US" sz="2400" dirty="0"/>
+          </a:p>
+        </p:txBody>
+      </p:sp>
+      <p:sp>
+        <p:nvSpPr>
+          <p:cNvPr id="3" name="Title 6"/>
+          <p:cNvSpPr txBox="1">
+            <a:spLocks/>
+          </p:cNvSpPr>
+          <p:nvPr/>
+        </p:nvSpPr>
+        <p:spPr>
+          <a:xfrm>
+            <a:off x="-1681554" y="291681"/>
+            <a:ext cx="8596668" cy="1320800"/>
+          </a:xfrm>
+          <a:prstGeom prst="rect">
+            <a:avLst/>
+          </a:prstGeom>
+        </p:spPr>
+        <p:txBody>
+          <a:bodyPr>
+            <a:normAutofit fontScale="45000" lnSpcReduction="20000"/>
+          </a:bodyPr>
+          <a:lstStyle>
+            <a:lvl1pPr algn="l" defTabSz="457200" rtl="0" eaLnBrk="1" latinLnBrk="0" hangingPunct="1">
+              <a:spcBef>
+                <a:spcPct val="0"/>
+              </a:spcBef>
+              <a:buNone/>
+              <a:defRPr sz="3600" kern="1200">
+                <a:solidFill>
+                  <a:schemeClr val="accent1"/>
+                </a:solidFill>
+                <a:latin typeface="+mj-lt"/>
+                <a:ea typeface="+mj-ea"/>
+                <a:cs typeface="+mj-cs"/>
+              </a:defRPr>
+            </a:lvl1pPr>
+            <a:lvl2pPr eaLnBrk="1" hangingPunct="1">
+              <a:defRPr>
+                <a:solidFill>
+                  <a:schemeClr val="tx2"/>
+                </a:solidFill>
+              </a:defRPr>
+            </a:lvl2pPr>
+            <a:lvl3pPr eaLnBrk="1" hangingPunct="1">
+              <a:defRPr>
+                <a:solidFill>
+                  <a:schemeClr val="tx2"/>
+                </a:solidFill>
+              </a:defRPr>
+            </a:lvl3pPr>
+            <a:lvl4pPr eaLnBrk="1" hangingPunct="1">
+              <a:defRPr>
+                <a:solidFill>
+                  <a:schemeClr val="tx2"/>
+                </a:solidFill>
+              </a:defRPr>
+            </a:lvl4pPr>
+            <a:lvl5pPr eaLnBrk="1" hangingPunct="1">
+              <a:defRPr>
+                <a:solidFill>
+                  <a:schemeClr val="tx2"/>
+                </a:solidFill>
+              </a:defRPr>
+            </a:lvl5pPr>
+            <a:lvl6pPr eaLnBrk="1" hangingPunct="1">
+              <a:defRPr>
+                <a:solidFill>
+                  <a:schemeClr val="tx2"/>
+                </a:solidFill>
+              </a:defRPr>
+            </a:lvl6pPr>
+            <a:lvl7pPr eaLnBrk="1" hangingPunct="1">
+              <a:defRPr>
+                <a:solidFill>
+                  <a:schemeClr val="tx2"/>
+                </a:solidFill>
+              </a:defRPr>
+            </a:lvl7pPr>
+            <a:lvl8pPr eaLnBrk="1" hangingPunct="1">
+              <a:defRPr>
+                <a:solidFill>
+                  <a:schemeClr val="tx2"/>
+                </a:solidFill>
+              </a:defRPr>
+            </a:lvl8pPr>
+            <a:lvl9pPr eaLnBrk="1" hangingPunct="1">
+              <a:defRPr>
+                <a:solidFill>
+                  <a:schemeClr val="tx2"/>
+                </a:solidFill>
+              </a:defRPr>
+            </a:lvl9pPr>
+          </a:lstStyle>
+          <a:p>
+            <a:pPr algn="ctr"/>
+            <a:r>
+              <a:rPr lang="en-US" sz="6600" b="1" dirty="0"/>
+              <a:t>REMAINING CHALLENGES</a:t>
+            </a:r>
+            <a:endParaRPr lang="en-US" sz="6600" dirty="0"/>
+          </a:p>
+          <a:p>
+            <a:pPr algn="ctr"/>
+            <a:br>
+              <a:rPr lang="en-US" sz="6600" b="1" dirty="0"/>
+            </a:br>
+            <a:endParaRPr lang="en-US" sz="6600" b="1" dirty="0"/>
+          </a:p>
+        </p:txBody>
+      </p:sp>
+    </p:spTree>
+    <p:extLst>
+      <p:ext uri="{BB962C8B-B14F-4D97-AF65-F5344CB8AC3E}">
+        <p14:creationId xmlns:p14="http://schemas.microsoft.com/office/powerpoint/2010/main" val="2360420687"/>
+      </p:ext>
+    </p:extLst>
+  </p:cSld>
+  <p:clrMapOvr>
+    <a:masterClrMapping/>
+  </p:clrMapOvr>
+</p:sld>
+</file>
+
 <file path=ppt/slides/slide3.xml><?xml version="1.0" encoding="utf-8"?>
 <p:sld xmlns:a="http://schemas.openxmlformats.org/drawingml/2006/main" xmlns:r="http://schemas.openxmlformats.org/officeDocument/2006/relationships" xmlns:p="http://schemas.openxmlformats.org/presentationml/2006/main">
   <p:cSld>
@@ -6241,7 +9446,6 @@
               <a:rPr lang="en-US" b="1" dirty="0"/>
               <a:t>Who Used DevOpps?</a:t>
             </a:r>
-            <a:endParaRPr lang="en-US" b="1" dirty="0"/>
           </a:p>
         </p:txBody>
       </p:sp>
@@ -6636,7 +9840,7 @@
           <a:p>
             <a:r>
               <a:rPr lang="en-US" dirty="0"/>
-              <a:t>The Right Thing?</a:t>
+              <a:t>The Right Thing</a:t>
             </a:r>
             <a:br>
               <a:rPr lang="en-US" dirty="0"/>
@@ -6728,7 +9932,7 @@
         </p:nvSpPr>
         <p:spPr>
           <a:xfrm>
-            <a:off x="1524000" y="1122363"/>
+            <a:off x="-225287" y="817563"/>
             <a:ext cx="5950226" cy="1050994"/>
           </a:xfrm>
         </p:spPr>
@@ -6738,7 +9942,7 @@
           <a:p>
             <a:r>
               <a:rPr lang="en-US" dirty="0"/>
-              <a:t>Making It Easy??</a:t>
+              <a:t>Making It Easy</a:t>
             </a:r>
           </a:p>
         </p:txBody>
@@ -6755,12 +9959,14 @@
         </p:nvSpPr>
         <p:spPr>
           <a:xfrm>
-            <a:off x="1126435" y="2557670"/>
+            <a:off x="755374" y="2160104"/>
             <a:ext cx="10204173" cy="3114260"/>
           </a:xfrm>
         </p:spPr>
         <p:txBody>
-          <a:bodyPr/>
+          <a:bodyPr>
+            <a:normAutofit/>
+          </a:bodyPr>
           <a:lstStyle/>
           <a:p>
             <a:pPr marL="342900" indent="-342900" algn="l">
@@ -6768,7 +9974,7 @@
               <a:buChar char="v"/>
             </a:pPr>
             <a:r>
-              <a:rPr lang="en-US" dirty="0"/>
+              <a:rPr lang="en-US" sz="2500" dirty="0"/>
               <a:t>Automated Verification</a:t>
             </a:r>
           </a:p>
@@ -6778,7 +9984,7 @@
               <a:buChar char="v"/>
             </a:pPr>
             <a:r>
-              <a:rPr lang="en-US" dirty="0"/>
+              <a:rPr lang="en-US" sz="2500" dirty="0"/>
               <a:t>The Reference Implementation</a:t>
             </a:r>
           </a:p>
@@ -6788,8 +9994,18 @@
               <a:buChar char="v"/>
             </a:pPr>
             <a:r>
-              <a:rPr lang="en-US" dirty="0"/>
+              <a:rPr lang="en-US" sz="2500" dirty="0"/>
               <a:t>Deployment and Test Automation</a:t>
+            </a:r>
+          </a:p>
+          <a:p>
+            <a:pPr marL="342900" indent="-342900" algn="l">
+              <a:buFont typeface="Wingdings" panose="05000000000000000000" pitchFamily="2" charset="2"/>
+              <a:buChar char="v"/>
+            </a:pPr>
+            <a:r>
+              <a:rPr lang="en-US" sz="2500" dirty="0"/>
+              <a:t>Release Independence</a:t>
             </a:r>
           </a:p>
         </p:txBody>
@@ -6834,60 +10050,72 @@
             <p:ph type="title"/>
           </p:nvPr>
         </p:nvSpPr>
-        <p:spPr/>
+        <p:spPr>
+          <a:xfrm>
+            <a:off x="677334" y="1232452"/>
+            <a:ext cx="8596668" cy="1320800"/>
+          </a:xfrm>
+        </p:spPr>
         <p:txBody>
           <a:bodyPr/>
           <a:lstStyle/>
           <a:p>
             <a:r>
               <a:rPr lang="en-US" dirty="0"/>
-              <a:t>Automated Verification??</a:t>
-            </a:r>
-          </a:p>
-        </p:txBody>
-      </p:sp>
-      <p:pic>
-        <p:nvPicPr>
-          <p:cNvPr id="5122" name="Picture 2" descr="Image result for automated verification in devops"/>
-          <p:cNvPicPr>
-            <a:picLocks noGrp="1" noChangeAspect="1" noChangeArrowheads="1"/>
-          </p:cNvPicPr>
+              <a:t>Automated Verification</a:t>
+            </a:r>
+          </a:p>
+        </p:txBody>
+      </p:sp>
+      <p:sp>
+        <p:nvSpPr>
+          <p:cNvPr id="3" name="Content Placeholder 2"/>
+          <p:cNvSpPr>
+            <a:spLocks noGrp="1"/>
+          </p:cNvSpPr>
           <p:nvPr>
             <p:ph idx="1"/>
           </p:nvPr>
-        </p:nvPicPr>
-        <p:blipFill>
-          <a:blip r:embed="rId2">
-            <a:extLst>
-              <a:ext uri="{28A0092B-C50C-407E-A947-70E740481C1C}">
-                <a14:useLocalDpi xmlns:a14="http://schemas.microsoft.com/office/drawing/2010/main" val="0"/>
-              </a:ext>
-            </a:extLst>
-          </a:blip>
-          <a:stretch>
-            <a:fillRect/>
-          </a:stretch>
-        </p:blipFill>
-        <p:spPr bwMode="auto">
-          <a:xfrm>
-            <a:off x="677863" y="2368592"/>
-            <a:ext cx="8596312" cy="3465428"/>
-          </a:xfrm>
-          <a:prstGeom prst="rect">
-            <a:avLst/>
-          </a:prstGeom>
-          <a:noFill/>
-          <a:extLst>
-            <a:ext uri="{909E8E84-426E-40DD-AFC4-6F175D3DCCD1}">
-              <a14:hiddenFill xmlns:a14="http://schemas.microsoft.com/office/drawing/2010/main">
-                <a:solidFill>
-                  <a:srgbClr val="FFFFFF"/>
-                </a:solidFill>
-              </a14:hiddenFill>
-            </a:ext>
-          </a:extLst>
-        </p:spPr>
-      </p:pic>
+        </p:nvSpPr>
+        <p:spPr/>
+        <p:txBody>
+          <a:bodyPr>
+            <a:normAutofit/>
+          </a:bodyPr>
+          <a:lstStyle/>
+          <a:p>
+            <a:r>
+              <a:rPr lang="en-US" sz="2500" dirty="0"/>
+              <a:t>Compliance Test Suite</a:t>
+            </a:r>
+          </a:p>
+          <a:p>
+            <a:r>
+              <a:rPr lang="en-US" sz="2500" dirty="0"/>
+              <a:t>Bring Operations into Development</a:t>
+            </a:r>
+          </a:p>
+          <a:p>
+            <a:r>
+              <a:rPr lang="en-US" sz="2500" dirty="0"/>
+              <a:t>Fast Operational Feedback</a:t>
+            </a:r>
+          </a:p>
+          <a:p>
+            <a:r>
+              <a:rPr lang="en-US" sz="2500" dirty="0"/>
+              <a:t>Test Driven Operational Compatibility</a:t>
+            </a:r>
+          </a:p>
+          <a:p>
+            <a:r>
+              <a:rPr lang="en-US" sz="2500" dirty="0"/>
+              <a:t>Backwards Compatibility</a:t>
+            </a:r>
+            <a:endParaRPr lang="en-US" sz="2500" dirty="0"/>
+          </a:p>
+        </p:txBody>
+      </p:sp>
     </p:spTree>
     <p:extLst>
       <p:ext uri="{BB962C8B-B14F-4D97-AF65-F5344CB8AC3E}">
@@ -6928,65 +10156,85 @@
             <p:ph type="title"/>
           </p:nvPr>
         </p:nvSpPr>
-        <p:spPr/>
+        <p:spPr>
+          <a:xfrm>
+            <a:off x="677334" y="982517"/>
+            <a:ext cx="8596668" cy="1320800"/>
+          </a:xfrm>
+        </p:spPr>
         <p:txBody>
           <a:bodyPr/>
           <a:lstStyle/>
           <a:p>
             <a:r>
               <a:rPr lang="en-US" dirty="0"/>
-              <a:t>Deployment and Test Automation?</a:t>
+              <a:t>Reference Implementation</a:t>
+            </a:r>
+          </a:p>
+        </p:txBody>
+      </p:sp>
+      <p:sp>
+        <p:nvSpPr>
+          <p:cNvPr id="3" name="Content Placeholder 2"/>
+          <p:cNvSpPr>
+            <a:spLocks noGrp="1"/>
+          </p:cNvSpPr>
+          <p:nvPr>
+            <p:ph idx="1"/>
+          </p:nvPr>
+        </p:nvSpPr>
+        <p:spPr/>
+        <p:txBody>
+          <a:bodyPr>
+            <a:normAutofit/>
+          </a:bodyPr>
+          <a:lstStyle/>
+          <a:p>
+            <a:r>
+              <a:rPr lang="en-US" sz="2500" dirty="0" err="1"/>
+              <a:t>Helloworld</a:t>
+            </a:r>
+            <a:r>
+              <a:rPr lang="en-US" sz="2500" dirty="0"/>
+              <a:t>-service</a:t>
+            </a:r>
+          </a:p>
+          <a:p>
+            <a:r>
+              <a:rPr lang="en-US" sz="2500" dirty="0"/>
+              <a:t>Deployed to production</a:t>
             </a:r>
           </a:p>
         </p:txBody>
       </p:sp>
       <p:pic>
         <p:nvPicPr>
-          <p:cNvPr id="6146" name="Picture 2" descr="Image result for Deployment and test Automation in devops"/>
+          <p:cNvPr id="4" name="Picture 3"/>
           <p:cNvPicPr>
-            <a:picLocks noGrp="1" noChangeAspect="1" noChangeArrowheads="1"/>
+            <a:picLocks noChangeAspect="1"/>
           </p:cNvPicPr>
-          <p:nvPr>
-            <p:ph idx="1"/>
-          </p:nvPr>
+          <p:nvPr/>
         </p:nvPicPr>
         <p:blipFill>
-          <a:blip r:embed="rId2">
-            <a:extLst>
-              <a:ext uri="{28A0092B-C50C-407E-A947-70E740481C1C}">
-                <a14:useLocalDpi xmlns:a14="http://schemas.microsoft.com/office/drawing/2010/main" val="0"/>
-              </a:ext>
-            </a:extLst>
-          </a:blip>
-          <a:srcRect/>
+          <a:blip r:embed="rId2"/>
           <a:stretch>
             <a:fillRect/>
           </a:stretch>
         </p:blipFill>
-        <p:spPr bwMode="auto">
+        <p:spPr>
           <a:xfrm>
-            <a:off x="794926" y="1930400"/>
-            <a:ext cx="8088923" cy="3924886"/>
+            <a:off x="1241400" y="3766844"/>
+            <a:ext cx="6867525" cy="1800225"/>
           </a:xfrm>
           <a:prstGeom prst="rect">
             <a:avLst/>
           </a:prstGeom>
-          <a:noFill/>
-          <a:extLst>
-            <a:ext uri="{909E8E84-426E-40DD-AFC4-6F175D3DCCD1}">
-              <a14:hiddenFill xmlns:a14="http://schemas.microsoft.com/office/drawing/2010/main">
-                <a:solidFill>
-                  <a:srgbClr val="FFFFFF"/>
-                </a:solidFill>
-              </a14:hiddenFill>
-            </a:ext>
-          </a:extLst>
         </p:spPr>
       </p:pic>
     </p:spTree>
     <p:extLst>
       <p:ext uri="{BB962C8B-B14F-4D97-AF65-F5344CB8AC3E}">
-        <p14:creationId xmlns:p14="http://schemas.microsoft.com/office/powerpoint/2010/main" val="4246979781"/>
+        <p14:creationId xmlns:p14="http://schemas.microsoft.com/office/powerpoint/2010/main" val="1273460996"/>
       </p:ext>
     </p:extLst>
   </p:cSld>
@@ -7251,4 +10499,299 @@
     </a:ext>
   </a:extLst>
 </a:theme>
+</file>
+
+<file path=ppt/theme/theme2.xml><?xml version="1.0" encoding="utf-8"?>
+<a:theme xmlns:a="http://schemas.openxmlformats.org/drawingml/2006/main" name="Office Theme">
+  <a:themeElements>
+    <a:clrScheme name="Office">
+      <a:dk1>
+        <a:sysClr val="windowText" lastClr="000000"/>
+      </a:dk1>
+      <a:lt1>
+        <a:sysClr val="window" lastClr="FFFFFF"/>
+      </a:lt1>
+      <a:dk2>
+        <a:srgbClr val="44546A"/>
+      </a:dk2>
+      <a:lt2>
+        <a:srgbClr val="E7E6E6"/>
+      </a:lt2>
+      <a:accent1>
+        <a:srgbClr val="5B9BD5"/>
+      </a:accent1>
+      <a:accent2>
+        <a:srgbClr val="ED7D31"/>
+      </a:accent2>
+      <a:accent3>
+        <a:srgbClr val="A5A5A5"/>
+      </a:accent3>
+      <a:accent4>
+        <a:srgbClr val="FFC000"/>
+      </a:accent4>
+      <a:accent5>
+        <a:srgbClr val="4472C4"/>
+      </a:accent5>
+      <a:accent6>
+        <a:srgbClr val="70AD47"/>
+      </a:accent6>
+      <a:hlink>
+        <a:srgbClr val="0563C1"/>
+      </a:hlink>
+      <a:folHlink>
+        <a:srgbClr val="954F72"/>
+      </a:folHlink>
+    </a:clrScheme>
+    <a:fontScheme name="Office">
+      <a:majorFont>
+        <a:latin typeface="Calibri Light" panose="020F0302020204030204"/>
+        <a:ea typeface=""/>
+        <a:cs typeface=""/>
+        <a:font script="Jpan" typeface="游ゴシック Light"/>
+        <a:font script="Hang" typeface="맑은 고딕"/>
+        <a:font script="Hans" typeface="等线 Light"/>
+        <a:font script="Hant" typeface="新細明體"/>
+        <a:font script="Arab" typeface="Times New Roman"/>
+        <a:font script="Hebr" typeface="Times New Roman"/>
+        <a:font script="Thai" typeface="Angsana New"/>
+        <a:font script="Ethi" typeface="Nyala"/>
+        <a:font script="Beng" typeface="Vrinda"/>
+        <a:font script="Gujr" typeface="Shruti"/>
+        <a:font script="Khmr" typeface="MoolBoran"/>
+        <a:font script="Knda" typeface="Tunga"/>
+        <a:font script="Guru" typeface="Raavi"/>
+        <a:font script="Cans" typeface="Euphemia"/>
+        <a:font script="Cher" typeface="Plantagenet Cherokee"/>
+        <a:font script="Yiii" typeface="Microsoft Yi Baiti"/>
+        <a:font script="Tibt" typeface="Microsoft Himalaya"/>
+        <a:font script="Thaa" typeface="MV Boli"/>
+        <a:font script="Deva" typeface="Mangal"/>
+        <a:font script="Telu" typeface="Gautami"/>
+        <a:font script="Taml" typeface="Latha"/>
+        <a:font script="Syrc" typeface="Estrangelo Edessa"/>
+        <a:font script="Orya" typeface="Kalinga"/>
+        <a:font script="Mlym" typeface="Kartika"/>
+        <a:font script="Laoo" typeface="DokChampa"/>
+        <a:font script="Sinh" typeface="Iskoola Pota"/>
+        <a:font script="Mong" typeface="Mongolian Baiti"/>
+        <a:font script="Viet" typeface="Times New Roman"/>
+        <a:font script="Uigh" typeface="Microsoft Uighur"/>
+        <a:font script="Geor" typeface="Sylfaen"/>
+        <a:font script="Armn" typeface="Arial"/>
+        <a:font script="Bugi" typeface="Leelawadee UI"/>
+        <a:font script="Bopo" typeface="Microsoft JhengHei"/>
+        <a:font script="Java" typeface="Javanese Text"/>
+        <a:font script="Lisu" typeface="Segoe UI"/>
+        <a:font script="Mymr" typeface="Myanmar Text"/>
+        <a:font script="Nkoo" typeface="Ebrima"/>
+        <a:font script="Olck" typeface="Nirmala UI"/>
+        <a:font script="Osma" typeface="Ebrima"/>
+        <a:font script="Phag" typeface="Phagspa"/>
+        <a:font script="Syrn" typeface="Estrangelo Edessa"/>
+        <a:font script="Syrj" typeface="Estrangelo Edessa"/>
+        <a:font script="Syre" typeface="Estrangelo Edessa"/>
+        <a:font script="Sora" typeface="Nirmala UI"/>
+        <a:font script="Tale" typeface="Microsoft Tai Le"/>
+        <a:font script="Talu" typeface="Microsoft New Tai Lue"/>
+        <a:font script="Tfng" typeface="Ebrima"/>
+      </a:majorFont>
+      <a:minorFont>
+        <a:latin typeface="Calibri" panose="020F0502020204030204"/>
+        <a:ea typeface=""/>
+        <a:cs typeface=""/>
+        <a:font script="Jpan" typeface="游ゴシック"/>
+        <a:font script="Hang" typeface="맑은 고딕"/>
+        <a:font script="Hans" typeface="等线"/>
+        <a:font script="Hant" typeface="新細明體"/>
+        <a:font script="Arab" typeface="Arial"/>
+        <a:font script="Hebr" typeface="Arial"/>
+        <a:font script="Thai" typeface="Cordia New"/>
+        <a:font script="Ethi" typeface="Nyala"/>
+        <a:font script="Beng" typeface="Vrinda"/>
+        <a:font script="Gujr" typeface="Shruti"/>
+        <a:font script="Khmr" typeface="DaunPenh"/>
+        <a:font script="Knda" typeface="Tunga"/>
+        <a:font script="Guru" typeface="Raavi"/>
+        <a:font script="Cans" typeface="Euphemia"/>
+        <a:font script="Cher" typeface="Plantagenet Cherokee"/>
+        <a:font script="Yiii" typeface="Microsoft Yi Baiti"/>
+        <a:font script="Tibt" typeface="Microsoft Himalaya"/>
+        <a:font script="Thaa" typeface="MV Boli"/>
+        <a:font script="Deva" typeface="Mangal"/>
+        <a:font script="Telu" typeface="Gautami"/>
+        <a:font script="Taml" typeface="Latha"/>
+        <a:font script="Syrc" typeface="Estrangelo Edessa"/>
+        <a:font script="Orya" typeface="Kalinga"/>
+        <a:font script="Mlym" typeface="Kartika"/>
+        <a:font script="Laoo" typeface="DokChampa"/>
+        <a:font script="Sinh" typeface="Iskoola Pota"/>
+        <a:font script="Mong" typeface="Mongolian Baiti"/>
+        <a:font script="Viet" typeface="Arial"/>
+        <a:font script="Uigh" typeface="Microsoft Uighur"/>
+        <a:font script="Geor" typeface="Sylfaen"/>
+        <a:font script="Armn" typeface="Arial"/>
+        <a:font script="Bugi" typeface="Leelawadee UI"/>
+        <a:font script="Bopo" typeface="Microsoft JhengHei"/>
+        <a:font script="Java" typeface="Javanese Text"/>
+        <a:font script="Lisu" typeface="Segoe UI"/>
+        <a:font script="Mymr" typeface="Myanmar Text"/>
+        <a:font script="Nkoo" typeface="Ebrima"/>
+        <a:font script="Olck" typeface="Nirmala UI"/>
+        <a:font script="Osma" typeface="Ebrima"/>
+        <a:font script="Phag" typeface="Phagspa"/>
+        <a:font script="Syrn" typeface="Estrangelo Edessa"/>
+        <a:font script="Syrj" typeface="Estrangelo Edessa"/>
+        <a:font script="Syre" typeface="Estrangelo Edessa"/>
+        <a:font script="Sora" typeface="Nirmala UI"/>
+        <a:font script="Tale" typeface="Microsoft Tai Le"/>
+        <a:font script="Talu" typeface="Microsoft New Tai Lue"/>
+        <a:font script="Tfng" typeface="Ebrima"/>
+      </a:minorFont>
+    </a:fontScheme>
+    <a:fmtScheme name="Office">
+      <a:fillStyleLst>
+        <a:solidFill>
+          <a:schemeClr val="phClr"/>
+        </a:solidFill>
+        <a:gradFill rotWithShape="1">
+          <a:gsLst>
+            <a:gs pos="0">
+              <a:schemeClr val="phClr">
+                <a:lumMod val="110000"/>
+                <a:satMod val="105000"/>
+                <a:tint val="67000"/>
+              </a:schemeClr>
+            </a:gs>
+            <a:gs pos="50000">
+              <a:schemeClr val="phClr">
+                <a:lumMod val="105000"/>
+                <a:satMod val="103000"/>
+                <a:tint val="73000"/>
+              </a:schemeClr>
+            </a:gs>
+            <a:gs pos="100000">
+              <a:schemeClr val="phClr">
+                <a:lumMod val="105000"/>
+                <a:satMod val="109000"/>
+                <a:tint val="81000"/>
+              </a:schemeClr>
+            </a:gs>
+          </a:gsLst>
+          <a:lin ang="5400000" scaled="0"/>
+        </a:gradFill>
+        <a:gradFill rotWithShape="1">
+          <a:gsLst>
+            <a:gs pos="0">
+              <a:schemeClr val="phClr">
+                <a:satMod val="103000"/>
+                <a:lumMod val="102000"/>
+                <a:tint val="94000"/>
+              </a:schemeClr>
+            </a:gs>
+            <a:gs pos="50000">
+              <a:schemeClr val="phClr">
+                <a:satMod val="110000"/>
+                <a:lumMod val="100000"/>
+                <a:shade val="100000"/>
+              </a:schemeClr>
+            </a:gs>
+            <a:gs pos="100000">
+              <a:schemeClr val="phClr">
+                <a:lumMod val="99000"/>
+                <a:satMod val="120000"/>
+                <a:shade val="78000"/>
+              </a:schemeClr>
+            </a:gs>
+          </a:gsLst>
+          <a:lin ang="5400000" scaled="0"/>
+        </a:gradFill>
+      </a:fillStyleLst>
+      <a:lnStyleLst>
+        <a:ln w="6350" cap="flat" cmpd="sng" algn="ctr">
+          <a:solidFill>
+            <a:schemeClr val="phClr"/>
+          </a:solidFill>
+          <a:prstDash val="solid"/>
+          <a:miter lim="800000"/>
+        </a:ln>
+        <a:ln w="12700" cap="flat" cmpd="sng" algn="ctr">
+          <a:solidFill>
+            <a:schemeClr val="phClr"/>
+          </a:solidFill>
+          <a:prstDash val="solid"/>
+          <a:miter lim="800000"/>
+        </a:ln>
+        <a:ln w="19050" cap="flat" cmpd="sng" algn="ctr">
+          <a:solidFill>
+            <a:schemeClr val="phClr"/>
+          </a:solidFill>
+          <a:prstDash val="solid"/>
+          <a:miter lim="800000"/>
+        </a:ln>
+      </a:lnStyleLst>
+      <a:effectStyleLst>
+        <a:effectStyle>
+          <a:effectLst/>
+        </a:effectStyle>
+        <a:effectStyle>
+          <a:effectLst/>
+        </a:effectStyle>
+        <a:effectStyle>
+          <a:effectLst>
+            <a:outerShdw blurRad="57150" dist="19050" dir="5400000" algn="ctr" rotWithShape="0">
+              <a:srgbClr val="000000">
+                <a:alpha val="63000"/>
+              </a:srgbClr>
+            </a:outerShdw>
+          </a:effectLst>
+        </a:effectStyle>
+      </a:effectStyleLst>
+      <a:bgFillStyleLst>
+        <a:solidFill>
+          <a:schemeClr val="phClr"/>
+        </a:solidFill>
+        <a:solidFill>
+          <a:schemeClr val="phClr">
+            <a:tint val="95000"/>
+            <a:satMod val="170000"/>
+          </a:schemeClr>
+        </a:solidFill>
+        <a:gradFill rotWithShape="1">
+          <a:gsLst>
+            <a:gs pos="0">
+              <a:schemeClr val="phClr">
+                <a:tint val="93000"/>
+                <a:satMod val="150000"/>
+                <a:shade val="98000"/>
+                <a:lumMod val="102000"/>
+              </a:schemeClr>
+            </a:gs>
+            <a:gs pos="50000">
+              <a:schemeClr val="phClr">
+                <a:tint val="98000"/>
+                <a:satMod val="130000"/>
+                <a:shade val="90000"/>
+                <a:lumMod val="103000"/>
+              </a:schemeClr>
+            </a:gs>
+            <a:gs pos="100000">
+              <a:schemeClr val="phClr">
+                <a:shade val="63000"/>
+                <a:satMod val="120000"/>
+              </a:schemeClr>
+            </a:gs>
+          </a:gsLst>
+          <a:lin ang="5400000" scaled="0"/>
+        </a:gradFill>
+      </a:bgFillStyleLst>
+    </a:fmtScheme>
+  </a:themeElements>
+  <a:objectDefaults/>
+  <a:extraClrSchemeLst/>
+  <a:extLst>
+    <a:ext uri="{05A4C25C-085E-4340-85A3-A5531E510DB2}">
+      <thm15:themeFamily xmlns:thm15="http://schemas.microsoft.com/office/thememl/2012/main" name="Office Theme" id="{62F939B6-93AF-4DB8-9C6B-D6C7DFDC589F}" vid="{4A3C46E8-61CC-4603-A589-7422A47A8E4A}"/>
+    </a:ext>
+  </a:extLst>
+</a:theme>
 </file>
--- a/ase ppt JOURNAL12.pptx
+++ b/ase ppt JOURNAL12.pptx
@@ -7181,10 +7181,9 @@
           <a:lstStyle/>
           <a:p>
             <a:r>
-              <a:rPr lang="en-US" dirty="0" err="1"/>
+              <a:rPr lang="en-US" dirty="0"/>
               <a:t>SLIPway</a:t>
             </a:r>
-            <a:endParaRPr lang="en-US" dirty="0"/>
           </a:p>
         </p:txBody>
       </p:sp>
@@ -7558,13 +7557,7 @@
               <a:rPr lang="en-US" dirty="0">
                 <a:latin typeface="OpenSans-Light"/>
               </a:rPr>
-              <a:t>Simple Rules for </a:t>
-            </a:r>
-            <a:r>
-              <a:rPr lang="en-US" dirty="0" err="1">
-                <a:latin typeface="OpenSans-Light"/>
-              </a:rPr>
-              <a:t>SLIPway</a:t>
+              <a:t>Simple Rules for SLIPway</a:t>
             </a:r>
             <a:br>
               <a:rPr lang="en-US" dirty="0">
@@ -8083,15 +8076,7 @@
             </a:r>
             <a:r>
               <a:rPr lang="en-US" dirty="0"/>
-              <a:t> Pipeline after applying </a:t>
-            </a:r>
-            <a:r>
-              <a:rPr lang="en-US" dirty="0" err="1"/>
-              <a:t>SLIPway</a:t>
-            </a:r>
-            <a:r>
-              <a:rPr lang="en-US" dirty="0"/>
-              <a:t> rules</a:t>
+              <a:t> Pipeline after applying SLIPway rules</a:t>
             </a:r>
           </a:p>
         </p:txBody>
@@ -8583,15 +8568,7 @@
             </a:pPr>
             <a:r>
               <a:rPr lang="en-US" sz="2000" dirty="0"/>
-              <a:t> Rolling Upgrade, </a:t>
-            </a:r>
-            <a:r>
-              <a:rPr lang="en-US" sz="2000" dirty="0" err="1"/>
-              <a:t>SLIPway</a:t>
-            </a:r>
-            <a:r>
-              <a:rPr lang="en-US" sz="2000" dirty="0"/>
-              <a:t>, and continuous deployment required no extra investment in physical infrastructure.</a:t>
+              <a:t> Rolling Upgrade, SLIPway, and continuous deployment required no extra investment in physical infrastructure.</a:t>
             </a:r>
           </a:p>
           <a:p>
@@ -10112,7 +10089,6 @@
               <a:rPr lang="en-US" sz="2500" dirty="0"/>
               <a:t>Backwards Compatibility</a:t>
             </a:r>
-            <a:endParaRPr lang="en-US" sz="2500" dirty="0"/>
           </a:p>
         </p:txBody>
       </p:sp>
